--- a/Lectures/Lecture 2 Models.pptx
+++ b/Lectures/Lecture 2 Models.pptx
@@ -80,7 +80,7 @@
     <p:sldId id="572" r:id="rId71"/>
   </p:sldIdLst>
   <p:sldSz cx="12192000" cy="6858000"/>
-  <p:notesSz cx="6858000" cy="9144000"/>
+  <p:notesSz cx="7104063" cy="10234613"/>
   <p:defaultTextStyle>
     <a:defPPr>
       <a:defRPr lang="en-US"/>
@@ -6878,17 +6878,17 @@
         <p:spPr>
           <a:xfrm>
             <a:off x="0" y="0"/>
-            <a:ext cx="2971800" cy="458788"/>
+            <a:ext cx="3078427" cy="513508"/>
           </a:xfrm>
           <a:prstGeom prst="rect">
             <a:avLst/>
           </a:prstGeom>
         </p:spPr>
         <p:txBody>
-          <a:bodyPr vert="horz" lIns="91440" tIns="45720" rIns="91440" bIns="45720" rtlCol="0"/>
+          <a:bodyPr vert="horz" lIns="99075" tIns="49538" rIns="99075" bIns="49538" rtlCol="0"/>
           <a:lstStyle>
             <a:lvl1pPr algn="l">
-              <a:defRPr sz="1200"/>
+              <a:defRPr sz="1300"/>
             </a:lvl1pPr>
           </a:lstStyle>
           <a:p>
@@ -6908,24 +6908,24 @@
         </p:nvSpPr>
         <p:spPr>
           <a:xfrm>
-            <a:off x="3884613" y="0"/>
-            <a:ext cx="2971800" cy="458788"/>
+            <a:off x="4023992" y="0"/>
+            <a:ext cx="3078427" cy="513508"/>
           </a:xfrm>
           <a:prstGeom prst="rect">
             <a:avLst/>
           </a:prstGeom>
         </p:spPr>
         <p:txBody>
-          <a:bodyPr vert="horz" lIns="91440" tIns="45720" rIns="91440" bIns="45720" rtlCol="0"/>
+          <a:bodyPr vert="horz" lIns="99075" tIns="49538" rIns="99075" bIns="49538" rtlCol="0"/>
           <a:lstStyle>
             <a:lvl1pPr algn="r">
-              <a:defRPr sz="1200"/>
+              <a:defRPr sz="1300"/>
             </a:lvl1pPr>
           </a:lstStyle>
           <a:p>
             <a:fld id="{9CF176CD-15D1-4787-BBAA-B7F61FF9E394}" type="datetimeFigureOut">
               <a:rPr lang="en-GB" smtClean="0"/>
-              <a:t>04/03/2025</a:t>
+              <a:t>26/03/2025</a:t>
             </a:fld>
             <a:endParaRPr lang="en-GB"/>
           </a:p>
@@ -6943,8 +6943,8 @@
         </p:nvSpPr>
         <p:spPr>
           <a:xfrm>
-            <a:off x="685800" y="1143000"/>
-            <a:ext cx="5486400" cy="3086100"/>
+            <a:off x="482600" y="1279525"/>
+            <a:ext cx="6140450" cy="3454400"/>
           </a:xfrm>
           <a:prstGeom prst="rect">
             <a:avLst/>
@@ -6957,7 +6957,7 @@
           </a:ln>
         </p:spPr>
         <p:txBody>
-          <a:bodyPr vert="horz" lIns="91440" tIns="45720" rIns="91440" bIns="45720" rtlCol="0" anchor="ctr"/>
+          <a:bodyPr vert="horz" lIns="99075" tIns="49538" rIns="99075" bIns="49538" rtlCol="0" anchor="ctr"/>
           <a:lstStyle/>
           <a:p>
             <a:endParaRPr lang="en-GB"/>
@@ -6976,15 +6976,15 @@
         </p:nvSpPr>
         <p:spPr>
           <a:xfrm>
-            <a:off x="685800" y="4400550"/>
-            <a:ext cx="5486400" cy="3600450"/>
+            <a:off x="710407" y="4925407"/>
+            <a:ext cx="5683250" cy="4029879"/>
           </a:xfrm>
           <a:prstGeom prst="rect">
             <a:avLst/>
           </a:prstGeom>
         </p:spPr>
         <p:txBody>
-          <a:bodyPr vert="horz" lIns="91440" tIns="45720" rIns="91440" bIns="45720" rtlCol="0"/>
+          <a:bodyPr vert="horz" lIns="99075" tIns="49538" rIns="99075" bIns="49538" rtlCol="0"/>
           <a:lstStyle/>
           <a:p>
             <a:pPr lvl="0"/>
@@ -7036,18 +7036,18 @@
         </p:nvSpPr>
         <p:spPr>
           <a:xfrm>
-            <a:off x="0" y="8685213"/>
-            <a:ext cx="2971800" cy="458787"/>
+            <a:off x="0" y="9721107"/>
+            <a:ext cx="3078427" cy="513507"/>
           </a:xfrm>
           <a:prstGeom prst="rect">
             <a:avLst/>
           </a:prstGeom>
         </p:spPr>
         <p:txBody>
-          <a:bodyPr vert="horz" lIns="91440" tIns="45720" rIns="91440" bIns="45720" rtlCol="0" anchor="b"/>
+          <a:bodyPr vert="horz" lIns="99075" tIns="49538" rIns="99075" bIns="49538" rtlCol="0" anchor="b"/>
           <a:lstStyle>
             <a:lvl1pPr algn="l">
-              <a:defRPr sz="1200"/>
+              <a:defRPr sz="1300"/>
             </a:lvl1pPr>
           </a:lstStyle>
           <a:p>
@@ -7067,18 +7067,18 @@
         </p:nvSpPr>
         <p:spPr>
           <a:xfrm>
-            <a:off x="3884613" y="8685213"/>
-            <a:ext cx="2971800" cy="458787"/>
+            <a:off x="4023992" y="9721107"/>
+            <a:ext cx="3078427" cy="513507"/>
           </a:xfrm>
           <a:prstGeom prst="rect">
             <a:avLst/>
           </a:prstGeom>
         </p:spPr>
         <p:txBody>
-          <a:bodyPr vert="horz" lIns="91440" tIns="45720" rIns="91440" bIns="45720" rtlCol="0" anchor="b"/>
+          <a:bodyPr vert="horz" lIns="99075" tIns="49538" rIns="99075" bIns="49538" rtlCol="0" anchor="b"/>
           <a:lstStyle>
             <a:lvl1pPr algn="r">
-              <a:defRPr sz="1200"/>
+              <a:defRPr sz="1300"/>
             </a:lvl1pPr>
           </a:lstStyle>
           <a:p>
@@ -7324,7 +7324,7 @@
           <a:p>
             <a:fld id="{633AF1EE-65BA-4140-B6B9-7F82C437F84A}" type="datetimeFigureOut">
               <a:rPr lang="en-GB" smtClean="0"/>
-              <a:t>04/03/2025</a:t>
+              <a:t>26/03/2025</a:t>
             </a:fld>
             <a:endParaRPr lang="en-GB"/>
           </a:p>
@@ -7494,7 +7494,7 @@
           <a:p>
             <a:fld id="{633AF1EE-65BA-4140-B6B9-7F82C437F84A}" type="datetimeFigureOut">
               <a:rPr lang="en-GB" smtClean="0"/>
-              <a:t>04/03/2025</a:t>
+              <a:t>26/03/2025</a:t>
             </a:fld>
             <a:endParaRPr lang="en-GB"/>
           </a:p>
@@ -7674,7 +7674,7 @@
           <a:p>
             <a:fld id="{633AF1EE-65BA-4140-B6B9-7F82C437F84A}" type="datetimeFigureOut">
               <a:rPr lang="en-GB" smtClean="0"/>
-              <a:t>04/03/2025</a:t>
+              <a:t>26/03/2025</a:t>
             </a:fld>
             <a:endParaRPr lang="en-GB"/>
           </a:p>
@@ -7844,7 +7844,7 @@
           <a:p>
             <a:fld id="{633AF1EE-65BA-4140-B6B9-7F82C437F84A}" type="datetimeFigureOut">
               <a:rPr lang="en-GB" smtClean="0"/>
-              <a:t>04/03/2025</a:t>
+              <a:t>26/03/2025</a:t>
             </a:fld>
             <a:endParaRPr lang="en-GB"/>
           </a:p>
@@ -8090,7 +8090,7 @@
           <a:p>
             <a:fld id="{633AF1EE-65BA-4140-B6B9-7F82C437F84A}" type="datetimeFigureOut">
               <a:rPr lang="en-GB" smtClean="0"/>
-              <a:t>04/03/2025</a:t>
+              <a:t>26/03/2025</a:t>
             </a:fld>
             <a:endParaRPr lang="en-GB"/>
           </a:p>
@@ -8322,7 +8322,7 @@
           <a:p>
             <a:fld id="{633AF1EE-65BA-4140-B6B9-7F82C437F84A}" type="datetimeFigureOut">
               <a:rPr lang="en-GB" smtClean="0"/>
-              <a:t>04/03/2025</a:t>
+              <a:t>26/03/2025</a:t>
             </a:fld>
             <a:endParaRPr lang="en-GB"/>
           </a:p>
@@ -8689,7 +8689,7 @@
           <a:p>
             <a:fld id="{633AF1EE-65BA-4140-B6B9-7F82C437F84A}" type="datetimeFigureOut">
               <a:rPr lang="en-GB" smtClean="0"/>
-              <a:t>04/03/2025</a:t>
+              <a:t>26/03/2025</a:t>
             </a:fld>
             <a:endParaRPr lang="en-GB"/>
           </a:p>
@@ -8807,7 +8807,7 @@
           <a:p>
             <a:fld id="{633AF1EE-65BA-4140-B6B9-7F82C437F84A}" type="datetimeFigureOut">
               <a:rPr lang="en-GB" smtClean="0"/>
-              <a:t>04/03/2025</a:t>
+              <a:t>26/03/2025</a:t>
             </a:fld>
             <a:endParaRPr lang="en-GB"/>
           </a:p>
@@ -8902,7 +8902,7 @@
           <a:p>
             <a:fld id="{633AF1EE-65BA-4140-B6B9-7F82C437F84A}" type="datetimeFigureOut">
               <a:rPr lang="en-GB" smtClean="0"/>
-              <a:t>04/03/2025</a:t>
+              <a:t>26/03/2025</a:t>
             </a:fld>
             <a:endParaRPr lang="en-GB"/>
           </a:p>
@@ -9179,7 +9179,7 @@
           <a:p>
             <a:fld id="{633AF1EE-65BA-4140-B6B9-7F82C437F84A}" type="datetimeFigureOut">
               <a:rPr lang="en-GB" smtClean="0"/>
-              <a:t>04/03/2025</a:t>
+              <a:t>26/03/2025</a:t>
             </a:fld>
             <a:endParaRPr lang="en-GB"/>
           </a:p>
@@ -9432,7 +9432,7 @@
           <a:p>
             <a:fld id="{633AF1EE-65BA-4140-B6B9-7F82C437F84A}" type="datetimeFigureOut">
               <a:rPr lang="en-GB" smtClean="0"/>
-              <a:t>04/03/2025</a:t>
+              <a:t>26/03/2025</a:t>
             </a:fld>
             <a:endParaRPr lang="en-GB"/>
           </a:p>
@@ -9645,7 +9645,7 @@
           <a:p>
             <a:fld id="{633AF1EE-65BA-4140-B6B9-7F82C437F84A}" type="datetimeFigureOut">
               <a:rPr lang="en-GB" smtClean="0"/>
-              <a:t>04/03/2025</a:t>
+              <a:t>26/03/2025</a:t>
             </a:fld>
             <a:endParaRPr lang="en-GB"/>
           </a:p>
@@ -12315,15 +12315,20 @@
           <p:nvPr/>
         </p:nvPicPr>
         <p:blipFill>
-          <a:blip r:embed="rId3"/>
-          <a:stretch>
-            <a:fillRect/>
-          </a:stretch>
+          <a:blip r:embed="rId3" cstate="email">
+            <a:extLst>
+              <a:ext uri="{28A0092B-C50C-407E-A947-70E740481C1C}">
+                <a14:useLocalDpi xmlns:a14="http://schemas.microsoft.com/office/drawing/2010/main" val="0"/>
+              </a:ext>
+            </a:extLst>
+          </a:blip>
+          <a:srcRect/>
+          <a:stretch/>
         </p:blipFill>
         <p:spPr>
           <a:xfrm>
-            <a:off x="6246569" y="1825625"/>
-            <a:ext cx="4463764" cy="4270620"/>
+            <a:off x="6324042" y="1825625"/>
+            <a:ext cx="4308818" cy="4270620"/>
           </a:xfrm>
           <a:prstGeom prst="rect">
             <a:avLst/>
@@ -12480,7 +12485,12 @@
                 <p:ph idx="1"/>
               </p:nvPr>
             </p:nvSpPr>
-            <p:spPr/>
+            <p:spPr>
+              <a:xfrm>
+                <a:off x="838200" y="1825625"/>
+                <a:ext cx="10515600" cy="1755775"/>
+              </a:xfrm>
+            </p:spPr>
             <p:txBody>
               <a:bodyPr/>
               <a:lstStyle/>
@@ -12565,16 +12575,59 @@
                     </m:d>
                   </m:oMath>
                 </a14:m>
-                <a:endParaRPr lang="en-US"/>
+                <a:endParaRPr lang="en-US" dirty="0"/>
               </a:p>
               <a:p>
                 <a:pPr lvl="1"/>
                 <a:r>
-                  <a:rPr lang="en-US"/>
+                  <a:rPr lang="en-US" dirty="0"/>
                   <a:t>Probability that an Argentinian is the pope: </a:t>
                 </a:r>
                 <a14:m>
                   <m:oMath xmlns:m="http://schemas.openxmlformats.org/officeDocument/2006/math">
+                    <m:r>
+                      <a:rPr lang="en-US" b="0" i="1" smtClean="0">
+                        <a:latin typeface="Cambria Math" panose="02040503050406030204" pitchFamily="18" charset="0"/>
+                      </a:rPr>
+                      <m:t>𝑝</m:t>
+                    </m:r>
+                    <m:d>
+                      <m:dPr>
+                        <m:ctrlPr>
+                          <a:rPr lang="en-US" i="1">
+                            <a:latin typeface="Cambria Math" panose="02040503050406030204" pitchFamily="18" charset="0"/>
+                          </a:rPr>
+                        </m:ctrlPr>
+                      </m:dPr>
+                      <m:e>
+                        <m:r>
+                          <m:rPr>
+                            <m:nor/>
+                          </m:rPr>
+                          <a:rPr lang="en-US" b="0" i="0" smtClean="0">
+                            <a:latin typeface="Cambria Math" panose="02040503050406030204" pitchFamily="18" charset="0"/>
+                          </a:rPr>
+                          <m:t>pope</m:t>
+                        </m:r>
+                      </m:e>
+                      <m:e>
+                        <m:r>
+                          <m:rPr>
+                            <m:nor/>
+                          </m:rPr>
+                          <a:rPr lang="en-US" b="0" i="0" smtClean="0">
+                            <a:latin typeface="Cambria Math" panose="02040503050406030204" pitchFamily="18" charset="0"/>
+                          </a:rPr>
+                          <m:t>Argentinian</m:t>
+                        </m:r>
+                      </m:e>
+                    </m:d>
+                    <m:r>
+                      <a:rPr lang="en-US" b="0" i="1" smtClean="0">
+                        <a:latin typeface="Cambria Math" panose="02040503050406030204" pitchFamily="18" charset="0"/>
+                      </a:rPr>
+                      <m:t>=</m:t>
+                    </m:r>
                     <m:f>
                       <m:fPr>
                         <m:ctrlPr>
@@ -12596,35 +12649,93 @@
                           <a:rPr lang="en-US" b="0" i="1" smtClean="0">
                             <a:latin typeface="Cambria Math" panose="02040503050406030204" pitchFamily="18" charset="0"/>
                           </a:rPr>
-                          <m:t>47,000,000</m:t>
+                          <m:t>47</m:t>
+                        </m:r>
+                        <m:r>
+                          <a:rPr lang="en-US" b="0" i="1" smtClean="0">
+                            <a:latin typeface="Cambria Math" panose="02040503050406030204" pitchFamily="18" charset="0"/>
+                          </a:rPr>
+                          <m:t>,</m:t>
+                        </m:r>
+                        <m:r>
+                          <a:rPr lang="en-US" b="0" i="1" smtClean="0">
+                            <a:latin typeface="Cambria Math" panose="02040503050406030204" pitchFamily="18" charset="0"/>
+                          </a:rPr>
+                          <m:t>000</m:t>
+                        </m:r>
+                        <m:r>
+                          <a:rPr lang="en-US" b="0" i="1" smtClean="0">
+                            <a:latin typeface="Cambria Math" panose="02040503050406030204" pitchFamily="18" charset="0"/>
+                          </a:rPr>
+                          <m:t>,</m:t>
+                        </m:r>
+                        <m:r>
+                          <a:rPr lang="en-US" b="0" i="1" smtClean="0">
+                            <a:latin typeface="Cambria Math" panose="02040503050406030204" pitchFamily="18" charset="0"/>
+                          </a:rPr>
+                          <m:t>000</m:t>
                         </m:r>
                       </m:den>
                     </m:f>
                   </m:oMath>
                 </a14:m>
-                <a:endParaRPr lang="en-US"/>
+                <a:endParaRPr lang="en-US" dirty="0"/>
               </a:p>
               <a:p>
                 <a:pPr lvl="1"/>
                 <a:r>
-                  <a:rPr lang="en-US"/>
+                  <a:rPr lang="en-US" dirty="0"/>
                   <a:t>Probability that a pope is Argentinian: </a:t>
                 </a:r>
                 <a14:m>
                   <m:oMath xmlns:m="http://schemas.openxmlformats.org/officeDocument/2006/math">
                     <m:r>
-                      <a:rPr lang="en-US" i="1" smtClean="0">
+                      <a:rPr lang="en-US" b="0" i="1" smtClean="0">
                         <a:latin typeface="Cambria Math" panose="02040503050406030204" pitchFamily="18" charset="0"/>
                       </a:rPr>
-                      <m:t>1</m:t>
+                      <m:t>𝑝</m:t>
                     </m:r>
+                    <m:d>
+                      <m:dPr>
+                        <m:ctrlPr>
+                          <a:rPr lang="en-US" b="0" i="1" smtClean="0">
+                            <a:latin typeface="Cambria Math" panose="02040503050406030204" pitchFamily="18" charset="0"/>
+                          </a:rPr>
+                        </m:ctrlPr>
+                      </m:dPr>
+                      <m:e>
+                        <m:r>
+                          <m:rPr>
+                            <m:nor/>
+                          </m:rPr>
+                          <a:rPr lang="en-US" b="0" i="0" smtClean="0">
+                            <a:latin typeface="Cambria Math" panose="02040503050406030204" pitchFamily="18" charset="0"/>
+                          </a:rPr>
+                          <m:t>Argentinian</m:t>
+                        </m:r>
+                      </m:e>
+                      <m:e>
+                        <m:r>
+                          <m:rPr>
+                            <m:nor/>
+                          </m:rPr>
+                          <a:rPr lang="en-US" b="0" i="0" smtClean="0">
+                            <a:latin typeface="Cambria Math" panose="02040503050406030204" pitchFamily="18" charset="0"/>
+                          </a:rPr>
+                          <m:t>pope</m:t>
+                        </m:r>
+                      </m:e>
+                    </m:d>
                   </m:oMath>
                 </a14:m>
-                <a:endParaRPr lang="en-US"/>
+                <a:r>
+                  <a:rPr lang="en-US" dirty="0"/>
+                  <a:t>=1</a:t>
+                </a:r>
               </a:p>
               <a:p>
                 <a:pPr lvl="1"/>
-                <a:endParaRPr lang="en-IL"/>
+                <a:endParaRPr lang="en-IL" dirty="0"/>
               </a:p>
             </p:txBody>
           </p:sp>
@@ -12647,6 +12758,10 @@
               </p:nvPr>
             </p:nvSpPr>
             <p:spPr>
+              <a:xfrm>
+                <a:off x="838200" y="1825625"/>
+                <a:ext cx="10515600" cy="1755775"/>
+              </a:xfrm>
               <a:blipFill>
                 <a:blip r:embed="rId2"/>
                 <a:stretch>
@@ -12659,7 +12774,7 @@
               <a:lstStyle/>
               <a:p>
                 <a:r>
-                  <a:rPr lang="en-IL">
+                  <a:rPr lang="he-IL">
                     <a:noFill/>
                   </a:rPr>
                   <a:t> </a:t>
@@ -12669,6 +12784,69 @@
           </p:sp>
         </mc:Fallback>
       </mc:AlternateContent>
+      <p:graphicFrame>
+        <p:nvGraphicFramePr>
+          <p:cNvPr id="4" name="Object 3">
+            <a:extLst>
+              <a:ext uri="{FF2B5EF4-FFF2-40B4-BE49-F238E27FC236}">
+                <a16:creationId xmlns:a16="http://schemas.microsoft.com/office/drawing/2014/main" id="{3431EDB9-2173-90BA-BCFE-BC7B44511248}"/>
+              </a:ext>
+            </a:extLst>
+          </p:cNvPr>
+          <p:cNvGraphicFramePr>
+            <a:graphicFrameLocks noChangeAspect="1"/>
+          </p:cNvGraphicFramePr>
+          <p:nvPr>
+            <p:extLst>
+              <p:ext uri="{D42A27DB-BD31-4B8C-83A1-F6EECF244321}">
+                <p14:modId xmlns:p14="http://schemas.microsoft.com/office/powerpoint/2010/main" val="3956883646"/>
+              </p:ext>
+            </p:extLst>
+          </p:nvPr>
+        </p:nvGraphicFramePr>
+        <p:xfrm>
+          <a:off x="1746249" y="3903663"/>
+          <a:ext cx="6125987" cy="830262"/>
+        </p:xfrm>
+        <a:graphic>
+          <a:graphicData uri="http://schemas.openxmlformats.org/presentationml/2006/ole">
+            <mc:AlternateContent xmlns:mc="http://schemas.openxmlformats.org/markup-compatibility/2006">
+              <mc:Choice xmlns:v="urn:schemas-microsoft-com:vml" Requires="v">
+                <p:oleObj name="Equation" r:id="rId3" imgW="3466800" imgH="469800" progId="Equation.DSMT4">
+                  <p:embed/>
+                </p:oleObj>
+              </mc:Choice>
+              <mc:Fallback>
+                <p:oleObj name="Equation" r:id="rId3" imgW="3466800" imgH="469800" progId="Equation.DSMT4">
+                  <p:embed/>
+                  <p:pic>
+                    <p:nvPicPr>
+                      <p:cNvPr id="0" name=""/>
+                      <p:cNvPicPr/>
+                      <p:nvPr/>
+                    </p:nvPicPr>
+                    <p:blipFill>
+                      <a:blip r:embed="rId4"/>
+                      <a:stretch>
+                        <a:fillRect/>
+                      </a:stretch>
+                    </p:blipFill>
+                    <p:spPr>
+                      <a:xfrm>
+                        <a:off x="1746249" y="3903663"/>
+                        <a:ext cx="6125987" cy="830262"/>
+                      </a:xfrm>
+                      <a:prstGeom prst="rect">
+                        <a:avLst/>
+                      </a:prstGeom>
+                    </p:spPr>
+                  </p:pic>
+                </p:oleObj>
+              </mc:Fallback>
+            </mc:AlternateContent>
+          </a:graphicData>
+        </a:graphic>
+      </p:graphicFrame>
     </p:spTree>
     <p:extLst>
       <p:ext uri="{BB962C8B-B14F-4D97-AF65-F5344CB8AC3E}">
@@ -12679,6 +12857,81 @@
   <p:clrMapOvr>
     <a:masterClrMapping/>
   </p:clrMapOvr>
+  <p:timing>
+    <p:tnLst>
+      <p:par>
+        <p:cTn id="1" dur="indefinite" restart="never" nodeType="tmRoot">
+          <p:childTnLst>
+            <p:seq concurrent="1" nextAc="seek">
+              <p:cTn id="2" dur="indefinite" nodeType="mainSeq">
+                <p:childTnLst>
+                  <p:par>
+                    <p:cTn id="3" fill="hold">
+                      <p:stCondLst>
+                        <p:cond delay="indefinite"/>
+                      </p:stCondLst>
+                      <p:childTnLst>
+                        <p:par>
+                          <p:cTn id="4" fill="hold">
+                            <p:stCondLst>
+                              <p:cond delay="0"/>
+                            </p:stCondLst>
+                            <p:childTnLst>
+                              <p:par>
+                                <p:cTn id="5" presetID="1" presetClass="entr" presetSubtype="0" fill="hold" nodeType="clickEffect">
+                                  <p:stCondLst>
+                                    <p:cond delay="0"/>
+                                  </p:stCondLst>
+                                  <p:childTnLst>
+                                    <p:set>
+                                      <p:cBhvr>
+                                        <p:cTn id="6" dur="1" fill="hold">
+                                          <p:stCondLst>
+                                            <p:cond delay="0"/>
+                                          </p:stCondLst>
+                                        </p:cTn>
+                                        <p:tgtEl>
+                                          <p:spTgt spid="4"/>
+                                        </p:tgtEl>
+                                        <p:attrNameLst>
+                                          <p:attrName>style.visibility</p:attrName>
+                                        </p:attrNameLst>
+                                      </p:cBhvr>
+                                      <p:to>
+                                        <p:strVal val="visible"/>
+                                      </p:to>
+                                    </p:set>
+                                  </p:childTnLst>
+                                </p:cTn>
+                              </p:par>
+                            </p:childTnLst>
+                          </p:cTn>
+                        </p:par>
+                      </p:childTnLst>
+                    </p:cTn>
+                  </p:par>
+                </p:childTnLst>
+              </p:cTn>
+              <p:prevCondLst>
+                <p:cond evt="onPrev" delay="0">
+                  <p:tgtEl>
+                    <p:sldTgt/>
+                  </p:tgtEl>
+                </p:cond>
+              </p:prevCondLst>
+              <p:nextCondLst>
+                <p:cond evt="onNext" delay="0">
+                  <p:tgtEl>
+                    <p:sldTgt/>
+                  </p:tgtEl>
+                </p:cond>
+              </p:nextCondLst>
+            </p:seq>
+          </p:childTnLst>
+        </p:cTn>
+      </p:par>
+    </p:tnLst>
+  </p:timing>
 </p:sld>
 </file>
 
@@ -12954,15 +13207,20 @@
           <p:nvPr/>
         </p:nvPicPr>
         <p:blipFill>
-          <a:blip r:embed="rId4"/>
-          <a:stretch>
-            <a:fillRect/>
-          </a:stretch>
+          <a:blip r:embed="rId4" cstate="email">
+            <a:extLst>
+              <a:ext uri="{28A0092B-C50C-407E-A947-70E740481C1C}">
+                <a14:useLocalDpi xmlns:a14="http://schemas.microsoft.com/office/drawing/2010/main" val="0"/>
+              </a:ext>
+            </a:extLst>
+          </a:blip>
+          <a:srcRect/>
+          <a:stretch/>
         </p:blipFill>
         <p:spPr>
           <a:xfrm>
-            <a:off x="6602169" y="1757891"/>
-            <a:ext cx="4463764" cy="4270620"/>
+            <a:off x="6679642" y="1757891"/>
+            <a:ext cx="4308818" cy="4270620"/>
           </a:xfrm>
           <a:prstGeom prst="rect">
             <a:avLst/>
@@ -13664,14 +13922,14 @@
               <a:lstStyle/>
               <a:p>
                 <a:r>
-                  <a:rPr lang="en-US"/>
+                  <a:rPr lang="en-US" dirty="0"/>
                   <a:t>We will represent our models with diagrams</a:t>
                 </a:r>
               </a:p>
               <a:p>
                 <a:pPr lvl="1"/>
                 <a:r>
-                  <a:rPr lang="en-US"/>
+                  <a:rPr lang="en-US" dirty="0"/>
                   <a:t>Data at the bottom</a:t>
                 </a:r>
               </a:p>
@@ -13688,21 +13946,21 @@
                   </m:oMath>
                 </a14:m>
                 <a:r>
-                  <a:rPr lang="en-US"/>
+                  <a:rPr lang="en-US" dirty="0"/>
                   <a:t> heads</a:t>
                 </a:r>
               </a:p>
               <a:p>
                 <a:pPr lvl="1"/>
                 <a:r>
-                  <a:rPr lang="en-US"/>
+                  <a:rPr lang="en-US" dirty="0"/>
                   <a:t>Likelihood in the middle</a:t>
                 </a:r>
               </a:p>
               <a:p>
                 <a:pPr lvl="2"/>
                 <a:r>
-                  <a:rPr lang="en-US"/>
+                  <a:rPr lang="en-US" dirty="0"/>
                   <a:t>This is our model of how the data was produced</a:t>
                 </a:r>
               </a:p>
@@ -13719,7 +13977,7 @@
                   </m:oMath>
                 </a14:m>
                 <a:r>
-                  <a:rPr lang="en-US"/>
+                  <a:rPr lang="en-US" dirty="0"/>
                   <a:t> tosses of a coin with probability </a:t>
                 </a:r>
                 <a14:m>
@@ -13733,21 +13991,21 @@
                   </m:oMath>
                 </a14:m>
                 <a:r>
-                  <a:rPr lang="en-US"/>
+                  <a:rPr lang="en-US" dirty="0"/>
                   <a:t> of getting heads</a:t>
                 </a:r>
               </a:p>
               <a:p>
                 <a:pPr lvl="1"/>
                 <a:r>
-                  <a:rPr lang="en-US"/>
+                  <a:rPr lang="en-US" dirty="0"/>
                   <a:t>Prior at the top</a:t>
                 </a:r>
               </a:p>
               <a:p>
                 <a:pPr lvl="2"/>
                 <a:r>
-                  <a:rPr lang="en-US"/>
+                  <a:rPr lang="en-US" dirty="0"/>
                   <a:t>This reflects our uncertainty about </a:t>
                 </a:r>
                 <a14:m>
@@ -13760,18 +14018,18 @@
                     </m:r>
                   </m:oMath>
                 </a14:m>
-                <a:endParaRPr lang="en-US"/>
+                <a:endParaRPr lang="en-US" dirty="0"/>
               </a:p>
               <a:p>
                 <a:pPr lvl="2"/>
                 <a:r>
-                  <a:rPr lang="en-US"/>
+                  <a:rPr lang="en-US" dirty="0"/>
                   <a:t>When the experiment began</a:t>
                 </a:r>
               </a:p>
               <a:p>
                 <a:pPr lvl="1"/>
-                <a:endParaRPr lang="en-IL"/>
+                <a:endParaRPr lang="en-IL" dirty="0"/>
               </a:p>
             </p:txBody>
           </p:sp>
@@ -13856,6 +14114,132 @@
           </a:prstGeom>
         </p:spPr>
       </p:pic>
+      <p:sp>
+        <p:nvSpPr>
+          <p:cNvPr id="2" name="TextBox 1">
+            <a:extLst>
+              <a:ext uri="{FF2B5EF4-FFF2-40B4-BE49-F238E27FC236}">
+                <a16:creationId xmlns:a16="http://schemas.microsoft.com/office/drawing/2014/main" id="{4029F449-F52B-B21A-D348-731FA558C0E4}"/>
+              </a:ext>
+            </a:extLst>
+          </p:cNvPr>
+          <p:cNvSpPr txBox="1"/>
+          <p:nvPr/>
+        </p:nvSpPr>
+        <p:spPr>
+          <a:xfrm>
+            <a:off x="10687050" y="5129510"/>
+            <a:ext cx="865943" cy="461665"/>
+          </a:xfrm>
+          <a:prstGeom prst="rect">
+            <a:avLst/>
+          </a:prstGeom>
+          <a:noFill/>
+        </p:spPr>
+        <p:txBody>
+          <a:bodyPr wrap="none" rtlCol="1">
+            <a:spAutoFit/>
+          </a:bodyPr>
+          <a:lstStyle/>
+          <a:p>
+            <a:r>
+              <a:rPr lang="en-US" sz="2400" b="1" dirty="0">
+                <a:latin typeface="Ink Free" panose="03080402000500000000" pitchFamily="66" charset="0"/>
+                <a:cs typeface="+mj-cs"/>
+              </a:rPr>
+              <a:t>Data</a:t>
+            </a:r>
+            <a:endParaRPr lang="he-IL" sz="2400" b="1" dirty="0">
+              <a:latin typeface="Ink Free" panose="03080402000500000000" pitchFamily="66" charset="0"/>
+              <a:cs typeface="+mj-cs"/>
+            </a:endParaRPr>
+          </a:p>
+        </p:txBody>
+      </p:sp>
+      <p:sp>
+        <p:nvSpPr>
+          <p:cNvPr id="6" name="TextBox 5">
+            <a:extLst>
+              <a:ext uri="{FF2B5EF4-FFF2-40B4-BE49-F238E27FC236}">
+                <a16:creationId xmlns:a16="http://schemas.microsoft.com/office/drawing/2014/main" id="{198992C6-730C-D2B8-B450-C5488E80E2ED}"/>
+              </a:ext>
+            </a:extLst>
+          </p:cNvPr>
+          <p:cNvSpPr txBox="1"/>
+          <p:nvPr/>
+        </p:nvSpPr>
+        <p:spPr>
+          <a:xfrm>
+            <a:off x="10403318" y="3876294"/>
+            <a:ext cx="1433406" cy="461665"/>
+          </a:xfrm>
+          <a:prstGeom prst="rect">
+            <a:avLst/>
+          </a:prstGeom>
+          <a:noFill/>
+        </p:spPr>
+        <p:txBody>
+          <a:bodyPr wrap="none" rtlCol="1">
+            <a:spAutoFit/>
+          </a:bodyPr>
+          <a:lstStyle/>
+          <a:p>
+            <a:r>
+              <a:rPr lang="en-US" sz="2400" b="1" dirty="0">
+                <a:latin typeface="Ink Free" panose="03080402000500000000" pitchFamily="66" charset="0"/>
+                <a:cs typeface="+mj-cs"/>
+              </a:rPr>
+              <a:t>Likelihood</a:t>
+            </a:r>
+            <a:endParaRPr lang="he-IL" sz="2400" b="1" dirty="0">
+              <a:latin typeface="Ink Free" panose="03080402000500000000" pitchFamily="66" charset="0"/>
+              <a:cs typeface="+mj-cs"/>
+            </a:endParaRPr>
+          </a:p>
+        </p:txBody>
+      </p:sp>
+      <p:sp>
+        <p:nvSpPr>
+          <p:cNvPr id="7" name="TextBox 6">
+            <a:extLst>
+              <a:ext uri="{FF2B5EF4-FFF2-40B4-BE49-F238E27FC236}">
+                <a16:creationId xmlns:a16="http://schemas.microsoft.com/office/drawing/2014/main" id="{64331502-C356-6CF6-5888-D7421C28715D}"/>
+              </a:ext>
+            </a:extLst>
+          </p:cNvPr>
+          <p:cNvSpPr txBox="1"/>
+          <p:nvPr/>
+        </p:nvSpPr>
+        <p:spPr>
+          <a:xfrm>
+            <a:off x="10317593" y="1780794"/>
+            <a:ext cx="811441" cy="461665"/>
+          </a:xfrm>
+          <a:prstGeom prst="rect">
+            <a:avLst/>
+          </a:prstGeom>
+          <a:noFill/>
+        </p:spPr>
+        <p:txBody>
+          <a:bodyPr wrap="none" rtlCol="1">
+            <a:spAutoFit/>
+          </a:bodyPr>
+          <a:lstStyle/>
+          <a:p>
+            <a:r>
+              <a:rPr lang="en-US" sz="2400" b="1" dirty="0">
+                <a:latin typeface="Ink Free" panose="03080402000500000000" pitchFamily="66" charset="0"/>
+                <a:cs typeface="+mj-cs"/>
+              </a:rPr>
+              <a:t>Prior</a:t>
+            </a:r>
+            <a:endParaRPr lang="he-IL" sz="2400" b="1" dirty="0">
+              <a:latin typeface="Ink Free" panose="03080402000500000000" pitchFamily="66" charset="0"/>
+              <a:cs typeface="+mj-cs"/>
+            </a:endParaRPr>
+          </a:p>
+        </p:txBody>
+      </p:sp>
     </p:spTree>
     <p:extLst>
       <p:ext uri="{BB962C8B-B14F-4D97-AF65-F5344CB8AC3E}">
@@ -13866,6 +14250,424 @@
   <p:clrMapOvr>
     <a:masterClrMapping/>
   </p:clrMapOvr>
+  <p:timing>
+    <p:tnLst>
+      <p:par>
+        <p:cTn id="1" dur="indefinite" restart="never" nodeType="tmRoot">
+          <p:childTnLst>
+            <p:seq concurrent="1" nextAc="seek">
+              <p:cTn id="2" dur="indefinite" nodeType="mainSeq">
+                <p:childTnLst>
+                  <p:par>
+                    <p:cTn id="3" fill="hold">
+                      <p:stCondLst>
+                        <p:cond delay="indefinite"/>
+                      </p:stCondLst>
+                      <p:childTnLst>
+                        <p:par>
+                          <p:cTn id="4" fill="hold">
+                            <p:stCondLst>
+                              <p:cond delay="0"/>
+                            </p:stCondLst>
+                            <p:childTnLst>
+                              <p:par>
+                                <p:cTn id="5" presetID="1" presetClass="entr" presetSubtype="0" fill="hold" nodeType="clickEffect">
+                                  <p:stCondLst>
+                                    <p:cond delay="0"/>
+                                  </p:stCondLst>
+                                  <p:childTnLst>
+                                    <p:set>
+                                      <p:cBhvr>
+                                        <p:cTn id="6" dur="1" fill="hold">
+                                          <p:stCondLst>
+                                            <p:cond delay="0"/>
+                                          </p:stCondLst>
+                                        </p:cTn>
+                                        <p:tgtEl>
+                                          <p:spTgt spid="5">
+                                            <p:txEl>
+                                              <p:pRg st="1" end="1"/>
+                                            </p:txEl>
+                                          </p:spTgt>
+                                        </p:tgtEl>
+                                        <p:attrNameLst>
+                                          <p:attrName>style.visibility</p:attrName>
+                                        </p:attrNameLst>
+                                      </p:cBhvr>
+                                      <p:to>
+                                        <p:strVal val="visible"/>
+                                      </p:to>
+                                    </p:set>
+                                  </p:childTnLst>
+                                </p:cTn>
+                              </p:par>
+                              <p:par>
+                                <p:cTn id="7" presetID="1" presetClass="entr" presetSubtype="0" fill="hold" nodeType="withEffect">
+                                  <p:stCondLst>
+                                    <p:cond delay="0"/>
+                                  </p:stCondLst>
+                                  <p:childTnLst>
+                                    <p:set>
+                                      <p:cBhvr>
+                                        <p:cTn id="8" dur="1" fill="hold">
+                                          <p:stCondLst>
+                                            <p:cond delay="0"/>
+                                          </p:stCondLst>
+                                        </p:cTn>
+                                        <p:tgtEl>
+                                          <p:spTgt spid="5">
+                                            <p:txEl>
+                                              <p:pRg st="2" end="2"/>
+                                            </p:txEl>
+                                          </p:spTgt>
+                                        </p:tgtEl>
+                                        <p:attrNameLst>
+                                          <p:attrName>style.visibility</p:attrName>
+                                        </p:attrNameLst>
+                                      </p:cBhvr>
+                                      <p:to>
+                                        <p:strVal val="visible"/>
+                                      </p:to>
+                                    </p:set>
+                                  </p:childTnLst>
+                                </p:cTn>
+                              </p:par>
+                              <p:par>
+                                <p:cTn id="9" presetID="1" presetClass="entr" presetSubtype="0" fill="hold" grpId="0" nodeType="withEffect">
+                                  <p:stCondLst>
+                                    <p:cond delay="0"/>
+                                  </p:stCondLst>
+                                  <p:childTnLst>
+                                    <p:set>
+                                      <p:cBhvr>
+                                        <p:cTn id="10" dur="1" fill="hold">
+                                          <p:stCondLst>
+                                            <p:cond delay="0"/>
+                                          </p:stCondLst>
+                                        </p:cTn>
+                                        <p:tgtEl>
+                                          <p:spTgt spid="2"/>
+                                        </p:tgtEl>
+                                        <p:attrNameLst>
+                                          <p:attrName>style.visibility</p:attrName>
+                                        </p:attrNameLst>
+                                      </p:cBhvr>
+                                      <p:to>
+                                        <p:strVal val="visible"/>
+                                      </p:to>
+                                    </p:set>
+                                  </p:childTnLst>
+                                </p:cTn>
+                              </p:par>
+                            </p:childTnLst>
+                          </p:cTn>
+                        </p:par>
+                      </p:childTnLst>
+                    </p:cTn>
+                  </p:par>
+                  <p:par>
+                    <p:cTn id="11" fill="hold">
+                      <p:stCondLst>
+                        <p:cond delay="indefinite"/>
+                      </p:stCondLst>
+                      <p:childTnLst>
+                        <p:par>
+                          <p:cTn id="12" fill="hold">
+                            <p:stCondLst>
+                              <p:cond delay="0"/>
+                            </p:stCondLst>
+                            <p:childTnLst>
+                              <p:par>
+                                <p:cTn id="13" presetID="1" presetClass="entr" presetSubtype="0" fill="hold" nodeType="clickEffect">
+                                  <p:stCondLst>
+                                    <p:cond delay="0"/>
+                                  </p:stCondLst>
+                                  <p:childTnLst>
+                                    <p:set>
+                                      <p:cBhvr>
+                                        <p:cTn id="14" dur="1" fill="hold">
+                                          <p:stCondLst>
+                                            <p:cond delay="0"/>
+                                          </p:stCondLst>
+                                        </p:cTn>
+                                        <p:tgtEl>
+                                          <p:spTgt spid="5">
+                                            <p:txEl>
+                                              <p:pRg st="3" end="3"/>
+                                            </p:txEl>
+                                          </p:spTgt>
+                                        </p:tgtEl>
+                                        <p:attrNameLst>
+                                          <p:attrName>style.visibility</p:attrName>
+                                        </p:attrNameLst>
+                                      </p:cBhvr>
+                                      <p:to>
+                                        <p:strVal val="visible"/>
+                                      </p:to>
+                                    </p:set>
+                                  </p:childTnLst>
+                                </p:cTn>
+                              </p:par>
+                              <p:par>
+                                <p:cTn id="15" presetID="1" presetClass="entr" presetSubtype="0" fill="hold" nodeType="withEffect">
+                                  <p:stCondLst>
+                                    <p:cond delay="0"/>
+                                  </p:stCondLst>
+                                  <p:childTnLst>
+                                    <p:set>
+                                      <p:cBhvr>
+                                        <p:cTn id="16" dur="1" fill="hold">
+                                          <p:stCondLst>
+                                            <p:cond delay="0"/>
+                                          </p:stCondLst>
+                                        </p:cTn>
+                                        <p:tgtEl>
+                                          <p:spTgt spid="5">
+                                            <p:txEl>
+                                              <p:pRg st="4" end="4"/>
+                                            </p:txEl>
+                                          </p:spTgt>
+                                        </p:tgtEl>
+                                        <p:attrNameLst>
+                                          <p:attrName>style.visibility</p:attrName>
+                                        </p:attrNameLst>
+                                      </p:cBhvr>
+                                      <p:to>
+                                        <p:strVal val="visible"/>
+                                      </p:to>
+                                    </p:set>
+                                  </p:childTnLst>
+                                </p:cTn>
+                              </p:par>
+                              <p:par>
+                                <p:cTn id="17" presetID="1" presetClass="entr" presetSubtype="0" fill="hold" nodeType="withEffect">
+                                  <p:stCondLst>
+                                    <p:cond delay="0"/>
+                                  </p:stCondLst>
+                                  <p:childTnLst>
+                                    <p:set>
+                                      <p:cBhvr>
+                                        <p:cTn id="18" dur="1" fill="hold">
+                                          <p:stCondLst>
+                                            <p:cond delay="0"/>
+                                          </p:stCondLst>
+                                        </p:cTn>
+                                        <p:tgtEl>
+                                          <p:spTgt spid="5">
+                                            <p:txEl>
+                                              <p:pRg st="5" end="5"/>
+                                            </p:txEl>
+                                          </p:spTgt>
+                                        </p:tgtEl>
+                                        <p:attrNameLst>
+                                          <p:attrName>style.visibility</p:attrName>
+                                        </p:attrNameLst>
+                                      </p:cBhvr>
+                                      <p:to>
+                                        <p:strVal val="visible"/>
+                                      </p:to>
+                                    </p:set>
+                                  </p:childTnLst>
+                                </p:cTn>
+                              </p:par>
+                              <p:par>
+                                <p:cTn id="19" presetID="1" presetClass="entr" presetSubtype="0" fill="hold" grpId="0" nodeType="withEffect">
+                                  <p:stCondLst>
+                                    <p:cond delay="0"/>
+                                  </p:stCondLst>
+                                  <p:childTnLst>
+                                    <p:set>
+                                      <p:cBhvr>
+                                        <p:cTn id="20" dur="1" fill="hold">
+                                          <p:stCondLst>
+                                            <p:cond delay="0"/>
+                                          </p:stCondLst>
+                                        </p:cTn>
+                                        <p:tgtEl>
+                                          <p:spTgt spid="6"/>
+                                        </p:tgtEl>
+                                        <p:attrNameLst>
+                                          <p:attrName>style.visibility</p:attrName>
+                                        </p:attrNameLst>
+                                      </p:cBhvr>
+                                      <p:to>
+                                        <p:strVal val="visible"/>
+                                      </p:to>
+                                    </p:set>
+                                  </p:childTnLst>
+                                </p:cTn>
+                              </p:par>
+                            </p:childTnLst>
+                          </p:cTn>
+                        </p:par>
+                      </p:childTnLst>
+                    </p:cTn>
+                  </p:par>
+                  <p:par>
+                    <p:cTn id="21" fill="hold">
+                      <p:stCondLst>
+                        <p:cond delay="indefinite"/>
+                      </p:stCondLst>
+                      <p:childTnLst>
+                        <p:par>
+                          <p:cTn id="22" fill="hold">
+                            <p:stCondLst>
+                              <p:cond delay="0"/>
+                            </p:stCondLst>
+                            <p:childTnLst>
+                              <p:par>
+                                <p:cTn id="23" presetID="1" presetClass="entr" presetSubtype="0" fill="hold" nodeType="clickEffect">
+                                  <p:stCondLst>
+                                    <p:cond delay="0"/>
+                                  </p:stCondLst>
+                                  <p:childTnLst>
+                                    <p:set>
+                                      <p:cBhvr>
+                                        <p:cTn id="24" dur="1" fill="hold">
+                                          <p:stCondLst>
+                                            <p:cond delay="0"/>
+                                          </p:stCondLst>
+                                        </p:cTn>
+                                        <p:tgtEl>
+                                          <p:spTgt spid="5">
+                                            <p:txEl>
+                                              <p:pRg st="6" end="6"/>
+                                            </p:txEl>
+                                          </p:spTgt>
+                                        </p:tgtEl>
+                                        <p:attrNameLst>
+                                          <p:attrName>style.visibility</p:attrName>
+                                        </p:attrNameLst>
+                                      </p:cBhvr>
+                                      <p:to>
+                                        <p:strVal val="visible"/>
+                                      </p:to>
+                                    </p:set>
+                                  </p:childTnLst>
+                                </p:cTn>
+                              </p:par>
+                              <p:par>
+                                <p:cTn id="25" presetID="1" presetClass="entr" presetSubtype="0" fill="hold" nodeType="withEffect">
+                                  <p:stCondLst>
+                                    <p:cond delay="0"/>
+                                  </p:stCondLst>
+                                  <p:childTnLst>
+                                    <p:set>
+                                      <p:cBhvr>
+                                        <p:cTn id="26" dur="1" fill="hold">
+                                          <p:stCondLst>
+                                            <p:cond delay="0"/>
+                                          </p:stCondLst>
+                                        </p:cTn>
+                                        <p:tgtEl>
+                                          <p:spTgt spid="5">
+                                            <p:txEl>
+                                              <p:pRg st="7" end="7"/>
+                                            </p:txEl>
+                                          </p:spTgt>
+                                        </p:tgtEl>
+                                        <p:attrNameLst>
+                                          <p:attrName>style.visibility</p:attrName>
+                                        </p:attrNameLst>
+                                      </p:cBhvr>
+                                      <p:to>
+                                        <p:strVal val="visible"/>
+                                      </p:to>
+                                    </p:set>
+                                  </p:childTnLst>
+                                </p:cTn>
+                              </p:par>
+                              <p:par>
+                                <p:cTn id="27" presetID="1" presetClass="entr" presetSubtype="0" fill="hold" nodeType="withEffect">
+                                  <p:stCondLst>
+                                    <p:cond delay="0"/>
+                                  </p:stCondLst>
+                                  <p:childTnLst>
+                                    <p:set>
+                                      <p:cBhvr>
+                                        <p:cTn id="28" dur="1" fill="hold">
+                                          <p:stCondLst>
+                                            <p:cond delay="0"/>
+                                          </p:stCondLst>
+                                        </p:cTn>
+                                        <p:tgtEl>
+                                          <p:spTgt spid="5">
+                                            <p:txEl>
+                                              <p:pRg st="8" end="8"/>
+                                            </p:txEl>
+                                          </p:spTgt>
+                                        </p:tgtEl>
+                                        <p:attrNameLst>
+                                          <p:attrName>style.visibility</p:attrName>
+                                        </p:attrNameLst>
+                                      </p:cBhvr>
+                                      <p:to>
+                                        <p:strVal val="visible"/>
+                                      </p:to>
+                                    </p:set>
+                                  </p:childTnLst>
+                                </p:cTn>
+                              </p:par>
+                              <p:par>
+                                <p:cTn id="29" presetID="1" presetClass="entr" presetSubtype="0" fill="hold" grpId="0" nodeType="withEffect">
+                                  <p:stCondLst>
+                                    <p:cond delay="0"/>
+                                  </p:stCondLst>
+                                  <p:childTnLst>
+                                    <p:set>
+                                      <p:cBhvr>
+                                        <p:cTn id="30" dur="1" fill="hold">
+                                          <p:stCondLst>
+                                            <p:cond delay="0"/>
+                                          </p:stCondLst>
+                                        </p:cTn>
+                                        <p:tgtEl>
+                                          <p:spTgt spid="7"/>
+                                        </p:tgtEl>
+                                        <p:attrNameLst>
+                                          <p:attrName>style.visibility</p:attrName>
+                                        </p:attrNameLst>
+                                      </p:cBhvr>
+                                      <p:to>
+                                        <p:strVal val="visible"/>
+                                      </p:to>
+                                    </p:set>
+                                  </p:childTnLst>
+                                </p:cTn>
+                              </p:par>
+                            </p:childTnLst>
+                          </p:cTn>
+                        </p:par>
+                      </p:childTnLst>
+                    </p:cTn>
+                  </p:par>
+                </p:childTnLst>
+              </p:cTn>
+              <p:prevCondLst>
+                <p:cond evt="onPrev" delay="0">
+                  <p:tgtEl>
+                    <p:sldTgt/>
+                  </p:tgtEl>
+                </p:cond>
+              </p:prevCondLst>
+              <p:nextCondLst>
+                <p:cond evt="onNext" delay="0">
+                  <p:tgtEl>
+                    <p:sldTgt/>
+                  </p:tgtEl>
+                </p:cond>
+              </p:nextCondLst>
+            </p:seq>
+          </p:childTnLst>
+        </p:cTn>
+      </p:par>
+    </p:tnLst>
+    <p:bldLst>
+      <p:bldP spid="2" grpId="0"/>
+      <p:bldP spid="6" grpId="0"/>
+      <p:bldP spid="7" grpId="0"/>
+    </p:bldLst>
+  </p:timing>
 </p:sld>
 </file>
 
@@ -15683,15 +16485,20 @@
           <p:nvPr/>
         </p:nvPicPr>
         <p:blipFill>
-          <a:blip r:embed="rId2"/>
-          <a:stretch>
-            <a:fillRect/>
-          </a:stretch>
+          <a:blip r:embed="rId2" cstate="email">
+            <a:extLst>
+              <a:ext uri="{28A0092B-C50C-407E-A947-70E740481C1C}">
+                <a14:useLocalDpi xmlns:a14="http://schemas.microsoft.com/office/drawing/2010/main" val="0"/>
+              </a:ext>
+            </a:extLst>
+          </a:blip>
+          <a:srcRect/>
+          <a:stretch/>
         </p:blipFill>
         <p:spPr>
           <a:xfrm>
-            <a:off x="5379936" y="1690688"/>
-            <a:ext cx="6078901" cy="4275667"/>
+            <a:off x="5500625" y="1690688"/>
+            <a:ext cx="5837522" cy="4275667"/>
           </a:xfrm>
           <a:prstGeom prst="rect">
             <a:avLst/>
@@ -15988,7 +16795,7 @@
           <p:nvPr/>
         </p:nvPicPr>
         <p:blipFill>
-          <a:blip r:embed="rId8">
+          <a:blip r:embed="rId8" cstate="email">
             <a:extLst>
               <a:ext uri="{28A0092B-C50C-407E-A947-70E740481C1C}">
                 <a14:useLocalDpi xmlns:a14="http://schemas.microsoft.com/office/drawing/2010/main" val="0"/>
@@ -15996,14 +16803,12 @@
             </a:extLst>
           </a:blip>
           <a:srcRect/>
-          <a:stretch>
-            <a:fillRect/>
-          </a:stretch>
+          <a:stretch/>
         </p:blipFill>
         <p:spPr bwMode="auto">
           <a:xfrm>
-            <a:off x="6566113" y="1890944"/>
-            <a:ext cx="5017489" cy="2503635"/>
+            <a:off x="6566113" y="1984605"/>
+            <a:ext cx="5017489" cy="2316312"/>
           </a:xfrm>
           <a:prstGeom prst="rect">
             <a:avLst/>
@@ -16317,40 +17122,32 @@
           <a:lstStyle/>
           <a:p>
             <a:r>
-              <a:rPr lang="en-US" b="1"/>
+              <a:rPr lang="en-US" b="1" dirty="0"/>
               <a:t>Data is uncertain and imperfect</a:t>
             </a:r>
           </a:p>
           <a:p>
             <a:r>
-              <a:rPr lang="en-US"/>
+              <a:rPr lang="en-US" dirty="0"/>
               <a:t>Data updates models</a:t>
             </a:r>
           </a:p>
           <a:p>
             <a:r>
-              <a:rPr lang="en-US"/>
-              <a:t>Probability can quantify uncertainty</a:t>
-            </a:r>
-          </a:p>
-          <a:p>
-            <a:r>
-              <a:rPr lang="en-US"/>
+              <a:rPr lang="en-US" dirty="0"/>
+              <a:t>Probability quantifies uncertainty</a:t>
+            </a:r>
+          </a:p>
+          <a:p>
+            <a:r>
+              <a:rPr lang="en-US" dirty="0"/>
               <a:t>Probability distributions have parameters</a:t>
             </a:r>
           </a:p>
           <a:p>
             <a:r>
-              <a:rPr lang="en-US"/>
-              <a:t>Conditional probability gives </a:t>
-            </a:r>
-            <a:r>
-              <a:rPr lang="en-US" err="1"/>
-              <a:t>Baye’s</a:t>
-            </a:r>
-            <a:r>
-              <a:rPr lang="en-US"/>
-              <a:t> rule</a:t>
+              <a:rPr lang="en-US" dirty="0"/>
+              <a:t>Conditional probability gives Baye’s rule</a:t>
             </a:r>
           </a:p>
         </p:txBody>
@@ -16524,14 +17321,12 @@
             </a:extLst>
           </a:blip>
           <a:srcRect/>
-          <a:stretch>
-            <a:fillRect/>
-          </a:stretch>
+          <a:stretch/>
         </p:blipFill>
         <p:spPr bwMode="auto">
           <a:xfrm>
-            <a:off x="6954247" y="2370087"/>
-            <a:ext cx="4531702" cy="2261236"/>
+            <a:off x="6954247" y="2467884"/>
+            <a:ext cx="4531702" cy="2065642"/>
           </a:xfrm>
           <a:prstGeom prst="rect">
             <a:avLst/>
@@ -16571,14 +17366,12 @@
             </a:extLst>
           </a:blip>
           <a:srcRect/>
-          <a:stretch>
-            <a:fillRect/>
-          </a:stretch>
+          <a:stretch/>
         </p:blipFill>
         <p:spPr bwMode="auto">
           <a:xfrm>
-            <a:off x="6917978" y="72656"/>
-            <a:ext cx="4604239" cy="2297431"/>
+            <a:off x="6917978" y="158603"/>
+            <a:ext cx="4604239" cy="2125536"/>
           </a:xfrm>
           <a:prstGeom prst="rect">
             <a:avLst/>
@@ -16623,14 +17416,12 @@
             </a:extLst>
           </a:blip>
           <a:srcRect/>
-          <a:stretch>
-            <a:fillRect/>
-          </a:stretch>
+          <a:stretch/>
         </p:blipFill>
         <p:spPr bwMode="auto">
           <a:xfrm>
-            <a:off x="6954247" y="4439519"/>
-            <a:ext cx="4604238" cy="2297430"/>
+            <a:off x="6954247" y="4538882"/>
+            <a:ext cx="4604238" cy="2098705"/>
           </a:xfrm>
           <a:prstGeom prst="rect">
             <a:avLst/>
@@ -16973,14 +17764,12 @@
             </a:extLst>
           </a:blip>
           <a:srcRect/>
-          <a:stretch>
-            <a:fillRect/>
-          </a:stretch>
+          <a:stretch/>
         </p:blipFill>
         <p:spPr bwMode="auto">
           <a:xfrm>
-            <a:off x="2061065" y="1302314"/>
-            <a:ext cx="3575207" cy="1783963"/>
+            <a:off x="2061065" y="1396258"/>
+            <a:ext cx="3575207" cy="1596074"/>
           </a:xfrm>
           <a:prstGeom prst="rect">
             <a:avLst/>
@@ -17020,14 +17809,12 @@
             </a:extLst>
           </a:blip>
           <a:srcRect/>
-          <a:stretch>
-            <a:fillRect/>
-          </a:stretch>
+          <a:stretch/>
         </p:blipFill>
         <p:spPr bwMode="auto">
           <a:xfrm>
-            <a:off x="2053425" y="3142878"/>
-            <a:ext cx="3575208" cy="1783963"/>
+            <a:off x="2053425" y="3209616"/>
+            <a:ext cx="3575208" cy="1650486"/>
           </a:xfrm>
           <a:prstGeom prst="rect">
             <a:avLst/>
@@ -17072,14 +17859,12 @@
             </a:extLst>
           </a:blip>
           <a:srcRect/>
-          <a:stretch>
-            <a:fillRect/>
-          </a:stretch>
+          <a:stretch/>
         </p:blipFill>
         <p:spPr bwMode="auto">
           <a:xfrm>
-            <a:off x="2053425" y="4988987"/>
-            <a:ext cx="3582847" cy="1787775"/>
+            <a:off x="2053425" y="5086414"/>
+            <a:ext cx="3582847" cy="1592921"/>
           </a:xfrm>
           <a:prstGeom prst="rect">
             <a:avLst/>
@@ -17560,14 +18345,12 @@
             </a:extLst>
           </a:blip>
           <a:srcRect/>
-          <a:stretch>
-            <a:fillRect/>
-          </a:stretch>
+          <a:stretch/>
         </p:blipFill>
         <p:spPr bwMode="auto">
           <a:xfrm>
-            <a:off x="4516332" y="258097"/>
-            <a:ext cx="3563100" cy="1777922"/>
+            <a:off x="4516332" y="351723"/>
+            <a:ext cx="3563100" cy="1590669"/>
           </a:xfrm>
           <a:prstGeom prst="rect">
             <a:avLst/>
@@ -17612,14 +18395,12 @@
             </a:extLst>
           </a:blip>
           <a:srcRect/>
-          <a:stretch>
-            <a:fillRect/>
-          </a:stretch>
+          <a:stretch/>
         </p:blipFill>
         <p:spPr bwMode="auto">
           <a:xfrm>
-            <a:off x="8518669" y="258097"/>
-            <a:ext cx="3563100" cy="1777922"/>
+            <a:off x="8518669" y="351723"/>
+            <a:ext cx="3563100" cy="1590669"/>
           </a:xfrm>
           <a:prstGeom prst="rect">
             <a:avLst/>
@@ -17664,14 +18445,12 @@
             </a:extLst>
           </a:blip>
           <a:srcRect/>
-          <a:stretch>
-            <a:fillRect/>
-          </a:stretch>
+          <a:stretch/>
         </p:blipFill>
         <p:spPr bwMode="auto">
           <a:xfrm>
-            <a:off x="4516330" y="2489055"/>
-            <a:ext cx="3787327" cy="1889806"/>
+            <a:off x="4482194" y="2570787"/>
+            <a:ext cx="3787327" cy="1726341"/>
           </a:xfrm>
           <a:prstGeom prst="rect">
             <a:avLst/>
@@ -17711,14 +18490,12 @@
             </a:extLst>
           </a:blip>
           <a:srcRect/>
-          <a:stretch>
-            <a:fillRect/>
-          </a:stretch>
+          <a:stretch/>
         </p:blipFill>
         <p:spPr bwMode="auto">
           <a:xfrm>
-            <a:off x="4516332" y="4824380"/>
-            <a:ext cx="3787325" cy="1889806"/>
+            <a:off x="4516332" y="4927367"/>
+            <a:ext cx="3787325" cy="1683831"/>
           </a:xfrm>
           <a:prstGeom prst="rect">
             <a:avLst/>
@@ -17758,14 +18535,12 @@
             </a:extLst>
           </a:blip>
           <a:srcRect/>
-          <a:stretch>
-            <a:fillRect/>
-          </a:stretch>
+          <a:stretch/>
         </p:blipFill>
         <p:spPr bwMode="auto">
           <a:xfrm>
-            <a:off x="8378263" y="2489055"/>
-            <a:ext cx="3787326" cy="1889806"/>
+            <a:off x="8378263" y="2570788"/>
+            <a:ext cx="3787326" cy="1726340"/>
           </a:xfrm>
           <a:prstGeom prst="rect">
             <a:avLst/>
@@ -17805,14 +18580,12 @@
             </a:extLst>
           </a:blip>
           <a:srcRect/>
-          <a:stretch>
-            <a:fillRect/>
-          </a:stretch>
+          <a:stretch/>
         </p:blipFill>
         <p:spPr bwMode="auto">
           <a:xfrm>
-            <a:off x="8378264" y="4853340"/>
-            <a:ext cx="3787325" cy="1889806"/>
+            <a:off x="8378264" y="4945833"/>
+            <a:ext cx="3787325" cy="1704820"/>
           </a:xfrm>
           <a:prstGeom prst="rect">
             <a:avLst/>
@@ -20206,10 +20979,10 @@
           <a:p>
             <a:pPr algn="ctr"/>
             <a:r>
-              <a:rPr lang="en-US" sz="7200"/>
-              <a:t>2d Conjugate Priors</a:t>
-            </a:r>
-            <a:endParaRPr lang="en-IL" sz="7200"/>
+              <a:rPr lang="en-US" sz="7200" dirty="0"/>
+              <a:t>2D Conjugate Priors</a:t>
+            </a:r>
+            <a:endParaRPr lang="en-IL" sz="7200" dirty="0"/>
           </a:p>
         </p:txBody>
       </p:sp>
@@ -20365,40 +21138,32 @@
           <a:lstStyle/>
           <a:p>
             <a:r>
-              <a:rPr lang="en-US"/>
+              <a:rPr lang="en-US" dirty="0"/>
               <a:t>Data is uncertain and imperfect</a:t>
             </a:r>
           </a:p>
           <a:p>
             <a:r>
-              <a:rPr lang="en-US" b="1"/>
+              <a:rPr lang="en-US" b="1" dirty="0"/>
               <a:t>Data updates models</a:t>
             </a:r>
           </a:p>
           <a:p>
             <a:r>
-              <a:rPr lang="en-US"/>
-              <a:t>Probability can quantify uncertainty</a:t>
-            </a:r>
-          </a:p>
-          <a:p>
-            <a:r>
-              <a:rPr lang="en-US"/>
+              <a:rPr lang="en-US" dirty="0"/>
+              <a:t>Probability quantifies uncertainty</a:t>
+            </a:r>
+          </a:p>
+          <a:p>
+            <a:r>
+              <a:rPr lang="en-US" dirty="0"/>
               <a:t>Probability distributions have parameters</a:t>
             </a:r>
           </a:p>
           <a:p>
             <a:r>
-              <a:rPr lang="en-US"/>
-              <a:t>Conditional probability gives </a:t>
-            </a:r>
-            <a:r>
-              <a:rPr lang="en-US" err="1"/>
-              <a:t>Baye’s</a:t>
-            </a:r>
-            <a:r>
-              <a:rPr lang="en-US"/>
-              <a:t> rule</a:t>
+              <a:rPr lang="en-US" dirty="0"/>
+              <a:t>Conditional probability gives Baye’s rule</a:t>
             </a:r>
           </a:p>
         </p:txBody>
@@ -21314,16 +22079,21 @@
             <p:ph type="title"/>
           </p:nvPr>
         </p:nvSpPr>
-        <p:spPr/>
+        <p:spPr>
+          <a:xfrm>
+            <a:off x="838200" y="365125"/>
+            <a:ext cx="7543800" cy="1325563"/>
+          </a:xfrm>
+        </p:spPr>
         <p:txBody>
           <a:bodyPr/>
           <a:lstStyle/>
           <a:p>
             <a:r>
-              <a:rPr lang="en-US"/>
+              <a:rPr lang="en-US" dirty="0"/>
               <a:t>Finding the posterior analytically</a:t>
             </a:r>
-            <a:endParaRPr lang="en-GB"/>
+            <a:endParaRPr lang="en-GB" dirty="0"/>
           </a:p>
         </p:txBody>
       </p:sp>
@@ -21445,13 +22215,13 @@
           <p:nvPr>
             <p:extLst>
               <p:ext uri="{D42A27DB-BD31-4B8C-83A1-F6EECF244321}">
-                <p14:modId xmlns:p14="http://schemas.microsoft.com/office/powerpoint/2010/main" val="1828325387"/>
+                <p14:modId xmlns:p14="http://schemas.microsoft.com/office/powerpoint/2010/main" val="3911111031"/>
               </p:ext>
             </p:extLst>
           </p:nvPr>
         </p:nvGraphicFramePr>
         <p:xfrm>
-          <a:off x="1683871" y="2536391"/>
+          <a:off x="1683871" y="2530787"/>
           <a:ext cx="4067567" cy="1332875"/>
         </p:xfrm>
         <a:graphic>
@@ -21485,7 +22255,7 @@
                     </p:blipFill>
                     <p:spPr>
                       <a:xfrm>
-                        <a:off x="1683871" y="2536391"/>
+                        <a:off x="1683871" y="2530787"/>
                         <a:ext cx="4067567" cy="1332875"/>
                       </a:xfrm>
                       <a:prstGeom prst="rect">
@@ -21856,6 +22626,174 @@
           </p:sp>
         </mc:Fallback>
       </mc:AlternateContent>
+      <p:sp>
+        <p:nvSpPr>
+          <p:cNvPr id="4" name="Oval 3">
+            <a:extLst>
+              <a:ext uri="{FF2B5EF4-FFF2-40B4-BE49-F238E27FC236}">
+                <a16:creationId xmlns:a16="http://schemas.microsoft.com/office/drawing/2014/main" id="{E933E470-2BEA-9CD0-FE89-FCB83AA8F25F}"/>
+              </a:ext>
+            </a:extLst>
+          </p:cNvPr>
+          <p:cNvSpPr/>
+          <p:nvPr/>
+        </p:nvSpPr>
+        <p:spPr>
+          <a:xfrm>
+            <a:off x="2365952" y="4067643"/>
+            <a:ext cx="257175" cy="253473"/>
+          </a:xfrm>
+          <a:prstGeom prst="ellipse">
+            <a:avLst/>
+          </a:prstGeom>
+        </p:spPr>
+        <p:style>
+          <a:lnRef idx="1">
+            <a:schemeClr val="accent1"/>
+          </a:lnRef>
+          <a:fillRef idx="2">
+            <a:schemeClr val="accent1"/>
+          </a:fillRef>
+          <a:effectRef idx="1">
+            <a:schemeClr val="accent1"/>
+          </a:effectRef>
+          <a:fontRef idx="minor">
+            <a:schemeClr val="dk1"/>
+          </a:fontRef>
+        </p:style>
+        <p:txBody>
+          <a:bodyPr rtlCol="1" anchor="ctr"/>
+          <a:lstStyle/>
+          <a:p>
+            <a:pPr algn="ctr"/>
+            <a:r>
+              <a:rPr lang="en-US" dirty="0">
+                <a:solidFill>
+                  <a:srgbClr val="FF0000"/>
+                </a:solidFill>
+              </a:rPr>
+              <a:t>1</a:t>
+            </a:r>
+            <a:endParaRPr lang="he-IL" dirty="0">
+              <a:solidFill>
+                <a:srgbClr val="FF0000"/>
+              </a:solidFill>
+            </a:endParaRPr>
+          </a:p>
+        </p:txBody>
+      </p:sp>
+      <p:sp>
+        <p:nvSpPr>
+          <p:cNvPr id="6" name="Oval 5">
+            <a:extLst>
+              <a:ext uri="{FF2B5EF4-FFF2-40B4-BE49-F238E27FC236}">
+                <a16:creationId xmlns:a16="http://schemas.microsoft.com/office/drawing/2014/main" id="{DFD32A92-E468-86B5-FF87-F4E94BF2AEA9}"/>
+              </a:ext>
+            </a:extLst>
+          </p:cNvPr>
+          <p:cNvSpPr/>
+          <p:nvPr/>
+        </p:nvSpPr>
+        <p:spPr>
+          <a:xfrm>
+            <a:off x="6165009" y="2722770"/>
+            <a:ext cx="257175" cy="253473"/>
+          </a:xfrm>
+          <a:prstGeom prst="ellipse">
+            <a:avLst/>
+          </a:prstGeom>
+        </p:spPr>
+        <p:style>
+          <a:lnRef idx="1">
+            <a:schemeClr val="accent1"/>
+          </a:lnRef>
+          <a:fillRef idx="2">
+            <a:schemeClr val="accent1"/>
+          </a:fillRef>
+          <a:effectRef idx="1">
+            <a:schemeClr val="accent1"/>
+          </a:effectRef>
+          <a:fontRef idx="minor">
+            <a:schemeClr val="dk1"/>
+          </a:fontRef>
+        </p:style>
+        <p:txBody>
+          <a:bodyPr rtlCol="1" anchor="ctr"/>
+          <a:lstStyle/>
+          <a:p>
+            <a:pPr algn="ctr"/>
+            <a:r>
+              <a:rPr lang="en-US" dirty="0">
+                <a:solidFill>
+                  <a:srgbClr val="FF0000"/>
+                </a:solidFill>
+              </a:rPr>
+              <a:t>2</a:t>
+            </a:r>
+            <a:endParaRPr lang="he-IL" dirty="0">
+              <a:solidFill>
+                <a:srgbClr val="FF0000"/>
+              </a:solidFill>
+            </a:endParaRPr>
+          </a:p>
+        </p:txBody>
+      </p:sp>
+      <p:sp>
+        <p:nvSpPr>
+          <p:cNvPr id="8" name="Oval 7">
+            <a:extLst>
+              <a:ext uri="{FF2B5EF4-FFF2-40B4-BE49-F238E27FC236}">
+                <a16:creationId xmlns:a16="http://schemas.microsoft.com/office/drawing/2014/main" id="{2A807095-C641-77ED-0E9D-D2566D04F79E}"/>
+              </a:ext>
+            </a:extLst>
+          </p:cNvPr>
+          <p:cNvSpPr/>
+          <p:nvPr/>
+        </p:nvSpPr>
+        <p:spPr>
+          <a:xfrm>
+            <a:off x="5612824" y="4646230"/>
+            <a:ext cx="257175" cy="253473"/>
+          </a:xfrm>
+          <a:prstGeom prst="ellipse">
+            <a:avLst/>
+          </a:prstGeom>
+        </p:spPr>
+        <p:style>
+          <a:lnRef idx="1">
+            <a:schemeClr val="accent1"/>
+          </a:lnRef>
+          <a:fillRef idx="2">
+            <a:schemeClr val="accent1"/>
+          </a:fillRef>
+          <a:effectRef idx="1">
+            <a:schemeClr val="accent1"/>
+          </a:effectRef>
+          <a:fontRef idx="minor">
+            <a:schemeClr val="dk1"/>
+          </a:fontRef>
+        </p:style>
+        <p:txBody>
+          <a:bodyPr rtlCol="1" anchor="ctr"/>
+          <a:lstStyle/>
+          <a:p>
+            <a:pPr algn="ctr"/>
+            <a:r>
+              <a:rPr lang="en-US" dirty="0">
+                <a:solidFill>
+                  <a:srgbClr val="FF0000"/>
+                </a:solidFill>
+              </a:rPr>
+              <a:t>3</a:t>
+            </a:r>
+            <a:endParaRPr lang="he-IL" dirty="0">
+              <a:solidFill>
+                <a:srgbClr val="FF0000"/>
+              </a:solidFill>
+            </a:endParaRPr>
+          </a:p>
+        </p:txBody>
+      </p:sp>
     </p:spTree>
     <p:extLst>
       <p:ext uri="{BB962C8B-B14F-4D97-AF65-F5344CB8AC3E}">
@@ -21913,6 +22851,33 @@
                                   </p:childTnLst>
                                 </p:cTn>
                               </p:par>
+                              <p:par>
+                                <p:cTn id="7" presetID="1" presetClass="entr" presetSubtype="0" fill="hold" grpId="0" nodeType="withEffect">
+                                  <p:stCondLst>
+                                    <p:cond delay="0"/>
+                                  </p:stCondLst>
+                                  <p:childTnLst>
+                                    <p:set>
+                                      <p:cBhvr>
+                                        <p:cTn id="8" dur="1" fill="hold">
+                                          <p:stCondLst>
+                                            <p:cond delay="0"/>
+                                          </p:stCondLst>
+                                        </p:cTn>
+                                        <p:tgtEl>
+                                          <p:spTgt spid="4"/>
+                                        </p:tgtEl>
+                                        <p:attrNameLst>
+                                          <p:attrName>style.visibility</p:attrName>
+                                        </p:attrNameLst>
+                                      </p:cBhvr>
+                                      <p:to>
+                                        <p:strVal val="visible"/>
+                                      </p:to>
+                                    </p:set>
+                                  </p:childTnLst>
+                                </p:cTn>
+                              </p:par>
                             </p:childTnLst>
                           </p:cTn>
                         </p:par>
@@ -21920,26 +22885,26 @@
                     </p:cTn>
                   </p:par>
                   <p:par>
-                    <p:cTn id="7" fill="hold">
+                    <p:cTn id="9" fill="hold">
                       <p:stCondLst>
                         <p:cond delay="indefinite"/>
                       </p:stCondLst>
                       <p:childTnLst>
                         <p:par>
-                          <p:cTn id="8" fill="hold">
+                          <p:cTn id="10" fill="hold">
                             <p:stCondLst>
                               <p:cond delay="0"/>
                             </p:stCondLst>
                             <p:childTnLst>
                               <p:par>
-                                <p:cTn id="9" presetID="1" presetClass="entr" presetSubtype="0" fill="hold" grpId="0" nodeType="clickEffect">
+                                <p:cTn id="11" presetID="1" presetClass="entr" presetSubtype="0" fill="hold" grpId="0" nodeType="clickEffect">
                                   <p:stCondLst>
                                     <p:cond delay="0"/>
                                   </p:stCondLst>
                                   <p:childTnLst>
                                     <p:set>
                                       <p:cBhvr>
-                                        <p:cTn id="10" dur="1" fill="hold">
+                                        <p:cTn id="12" dur="1" fill="hold">
                                           <p:stCondLst>
                                             <p:cond delay="0"/>
                                           </p:stCondLst>
@@ -21959,20 +22924,47 @@
                                 </p:cTn>
                               </p:par>
                               <p:par>
-                                <p:cTn id="11" presetID="1" presetClass="entr" presetSubtype="0" fill="hold" nodeType="withEffect">
+                                <p:cTn id="13" presetID="1" presetClass="entr" presetSubtype="0" fill="hold" nodeType="withEffect">
                                   <p:stCondLst>
                                     <p:cond delay="0"/>
                                   </p:stCondLst>
                                   <p:childTnLst>
                                     <p:set>
                                       <p:cBhvr>
-                                        <p:cTn id="12" dur="1" fill="hold">
+                                        <p:cTn id="14" dur="1" fill="hold">
                                           <p:stCondLst>
                                             <p:cond delay="0"/>
                                           </p:stCondLst>
                                         </p:cTn>
                                         <p:tgtEl>
                                           <p:spTgt spid="12"/>
+                                        </p:tgtEl>
+                                        <p:attrNameLst>
+                                          <p:attrName>style.visibility</p:attrName>
+                                        </p:attrNameLst>
+                                      </p:cBhvr>
+                                      <p:to>
+                                        <p:strVal val="visible"/>
+                                      </p:to>
+                                    </p:set>
+                                  </p:childTnLst>
+                                </p:cTn>
+                              </p:par>
+                              <p:par>
+                                <p:cTn id="15" presetID="1" presetClass="entr" presetSubtype="0" fill="hold" grpId="0" nodeType="withEffect">
+                                  <p:stCondLst>
+                                    <p:cond delay="0"/>
+                                  </p:stCondLst>
+                                  <p:childTnLst>
+                                    <p:set>
+                                      <p:cBhvr>
+                                        <p:cTn id="16" dur="1" fill="hold">
+                                          <p:stCondLst>
+                                            <p:cond delay="0"/>
+                                          </p:stCondLst>
+                                        </p:cTn>
+                                        <p:tgtEl>
+                                          <p:spTgt spid="6"/>
                                         </p:tgtEl>
                                         <p:attrNameLst>
                                           <p:attrName>style.visibility</p:attrName>
@@ -21992,26 +22984,26 @@
                     </p:cTn>
                   </p:par>
                   <p:par>
-                    <p:cTn id="13" fill="hold">
+                    <p:cTn id="17" fill="hold">
                       <p:stCondLst>
                         <p:cond delay="indefinite"/>
                       </p:stCondLst>
                       <p:childTnLst>
                         <p:par>
-                          <p:cTn id="14" fill="hold">
+                          <p:cTn id="18" fill="hold">
                             <p:stCondLst>
                               <p:cond delay="0"/>
                             </p:stCondLst>
                             <p:childTnLst>
                               <p:par>
-                                <p:cTn id="15" presetID="1" presetClass="entr" presetSubtype="0" fill="hold" grpId="0" nodeType="clickEffect">
+                                <p:cTn id="19" presetID="1" presetClass="entr" presetSubtype="0" fill="hold" grpId="0" nodeType="clickEffect">
                                   <p:stCondLst>
                                     <p:cond delay="0"/>
                                   </p:stCondLst>
                                   <p:childTnLst>
                                     <p:set>
                                       <p:cBhvr>
-                                        <p:cTn id="16" dur="1" fill="hold">
+                                        <p:cTn id="20" dur="1" fill="hold">
                                           <p:stCondLst>
                                             <p:cond delay="0"/>
                                           </p:stCondLst>
@@ -22031,20 +23023,47 @@
                                 </p:cTn>
                               </p:par>
                               <p:par>
-                                <p:cTn id="17" presetID="1" presetClass="entr" presetSubtype="0" fill="hold" nodeType="withEffect">
+                                <p:cTn id="21" presetID="1" presetClass="entr" presetSubtype="0" fill="hold" nodeType="withEffect">
                                   <p:stCondLst>
                                     <p:cond delay="0"/>
                                   </p:stCondLst>
                                   <p:childTnLst>
                                     <p:set>
                                       <p:cBhvr>
-                                        <p:cTn id="18" dur="1" fill="hold">
+                                        <p:cTn id="22" dur="1" fill="hold">
                                           <p:stCondLst>
                                             <p:cond delay="0"/>
                                           </p:stCondLst>
                                         </p:cTn>
                                         <p:tgtEl>
                                           <p:spTgt spid="11"/>
+                                        </p:tgtEl>
+                                        <p:attrNameLst>
+                                          <p:attrName>style.visibility</p:attrName>
+                                        </p:attrNameLst>
+                                      </p:cBhvr>
+                                      <p:to>
+                                        <p:strVal val="visible"/>
+                                      </p:to>
+                                    </p:set>
+                                  </p:childTnLst>
+                                </p:cTn>
+                              </p:par>
+                              <p:par>
+                                <p:cTn id="23" presetID="1" presetClass="entr" presetSubtype="0" fill="hold" grpId="0" nodeType="withEffect">
+                                  <p:stCondLst>
+                                    <p:cond delay="0"/>
+                                  </p:stCondLst>
+                                  <p:childTnLst>
+                                    <p:set>
+                                      <p:cBhvr>
+                                        <p:cTn id="24" dur="1" fill="hold">
+                                          <p:stCondLst>
+                                            <p:cond delay="0"/>
+                                          </p:stCondLst>
+                                        </p:cTn>
+                                        <p:tgtEl>
+                                          <p:spTgt spid="8"/>
                                         </p:tgtEl>
                                         <p:attrNameLst>
                                           <p:attrName>style.visibility</p:attrName>
@@ -22087,6 +23106,9 @@
     <p:bldLst>
       <p:bldP spid="13" grpId="0"/>
       <p:bldP spid="14" grpId="0"/>
+      <p:bldP spid="4" grpId="0" animBg="1"/>
+      <p:bldP spid="6" grpId="0" animBg="1"/>
+      <p:bldP spid="8" grpId="0" animBg="1"/>
     </p:bldLst>
   </p:timing>
 </p:sld>
@@ -22436,6 +23458,118 @@
           </a:graphicData>
         </a:graphic>
       </p:graphicFrame>
+      <p:sp>
+        <p:nvSpPr>
+          <p:cNvPr id="4" name="Oval 3">
+            <a:extLst>
+              <a:ext uri="{FF2B5EF4-FFF2-40B4-BE49-F238E27FC236}">
+                <a16:creationId xmlns:a16="http://schemas.microsoft.com/office/drawing/2014/main" id="{34EF5F0F-0EE8-3E3F-D591-7D75743DC363}"/>
+              </a:ext>
+            </a:extLst>
+          </p:cNvPr>
+          <p:cNvSpPr/>
+          <p:nvPr/>
+        </p:nvSpPr>
+        <p:spPr>
+          <a:xfrm>
+            <a:off x="6836476" y="2630750"/>
+            <a:ext cx="257175" cy="253473"/>
+          </a:xfrm>
+          <a:prstGeom prst="ellipse">
+            <a:avLst/>
+          </a:prstGeom>
+        </p:spPr>
+        <p:style>
+          <a:lnRef idx="1">
+            <a:schemeClr val="accent1"/>
+          </a:lnRef>
+          <a:fillRef idx="2">
+            <a:schemeClr val="accent1"/>
+          </a:fillRef>
+          <a:effectRef idx="1">
+            <a:schemeClr val="accent1"/>
+          </a:effectRef>
+          <a:fontRef idx="minor">
+            <a:schemeClr val="dk1"/>
+          </a:fontRef>
+        </p:style>
+        <p:txBody>
+          <a:bodyPr rtlCol="1" anchor="ctr"/>
+          <a:lstStyle/>
+          <a:p>
+            <a:pPr algn="ctr"/>
+            <a:r>
+              <a:rPr lang="en-US" dirty="0">
+                <a:solidFill>
+                  <a:srgbClr val="FF0000"/>
+                </a:solidFill>
+              </a:rPr>
+              <a:t>3</a:t>
+            </a:r>
+            <a:endParaRPr lang="he-IL" dirty="0">
+              <a:solidFill>
+                <a:srgbClr val="FF0000"/>
+              </a:solidFill>
+            </a:endParaRPr>
+          </a:p>
+        </p:txBody>
+      </p:sp>
+      <p:sp>
+        <p:nvSpPr>
+          <p:cNvPr id="6" name="Oval 5">
+            <a:extLst>
+              <a:ext uri="{FF2B5EF4-FFF2-40B4-BE49-F238E27FC236}">
+                <a16:creationId xmlns:a16="http://schemas.microsoft.com/office/drawing/2014/main" id="{D5A408B6-9BF7-D869-8293-2DD13DFF31D0}"/>
+              </a:ext>
+            </a:extLst>
+          </p:cNvPr>
+          <p:cNvSpPr/>
+          <p:nvPr/>
+        </p:nvSpPr>
+        <p:spPr>
+          <a:xfrm>
+            <a:off x="2323214" y="5233095"/>
+            <a:ext cx="257175" cy="253473"/>
+          </a:xfrm>
+          <a:prstGeom prst="ellipse">
+            <a:avLst/>
+          </a:prstGeom>
+        </p:spPr>
+        <p:style>
+          <a:lnRef idx="1">
+            <a:schemeClr val="accent1"/>
+          </a:lnRef>
+          <a:fillRef idx="2">
+            <a:schemeClr val="accent1"/>
+          </a:fillRef>
+          <a:effectRef idx="1">
+            <a:schemeClr val="accent1"/>
+          </a:effectRef>
+          <a:fontRef idx="minor">
+            <a:schemeClr val="dk1"/>
+          </a:fontRef>
+        </p:style>
+        <p:txBody>
+          <a:bodyPr rtlCol="1" anchor="ctr"/>
+          <a:lstStyle/>
+          <a:p>
+            <a:pPr algn="ctr"/>
+            <a:r>
+              <a:rPr lang="en-US" dirty="0">
+                <a:solidFill>
+                  <a:srgbClr val="FF0000"/>
+                </a:solidFill>
+              </a:rPr>
+              <a:t>4</a:t>
+            </a:r>
+            <a:endParaRPr lang="he-IL" dirty="0">
+              <a:solidFill>
+                <a:srgbClr val="FF0000"/>
+              </a:solidFill>
+            </a:endParaRPr>
+          </a:p>
+        </p:txBody>
+      </p:sp>
     </p:spTree>
     <p:extLst>
       <p:ext uri="{BB962C8B-B14F-4D97-AF65-F5344CB8AC3E}">
@@ -22493,6 +23627,33 @@
                                   </p:childTnLst>
                                 </p:cTn>
                               </p:par>
+                              <p:par>
+                                <p:cTn id="7" presetID="1" presetClass="entr" presetSubtype="0" fill="hold" grpId="0" nodeType="withEffect">
+                                  <p:stCondLst>
+                                    <p:cond delay="0"/>
+                                  </p:stCondLst>
+                                  <p:childTnLst>
+                                    <p:set>
+                                      <p:cBhvr>
+                                        <p:cTn id="8" dur="1" fill="hold">
+                                          <p:stCondLst>
+                                            <p:cond delay="0"/>
+                                          </p:stCondLst>
+                                        </p:cTn>
+                                        <p:tgtEl>
+                                          <p:spTgt spid="6"/>
+                                        </p:tgtEl>
+                                        <p:attrNameLst>
+                                          <p:attrName>style.visibility</p:attrName>
+                                        </p:attrNameLst>
+                                      </p:cBhvr>
+                                      <p:to>
+                                        <p:strVal val="visible"/>
+                                      </p:to>
+                                    </p:set>
+                                  </p:childTnLst>
+                                </p:cTn>
+                              </p:par>
                             </p:childTnLst>
                           </p:cTn>
                         </p:par>
@@ -22520,6 +23681,9 @@
         </p:cTn>
       </p:par>
     </p:tnLst>
+    <p:bldLst>
+      <p:bldP spid="6" grpId="0" animBg="1"/>
+    </p:bldLst>
   </p:timing>
 </p:sld>
 </file>
@@ -23039,6 +24203,230 @@
           </a:graphicData>
         </a:graphic>
       </p:graphicFrame>
+      <p:sp>
+        <p:nvSpPr>
+          <p:cNvPr id="11" name="Oval 10">
+            <a:extLst>
+              <a:ext uri="{FF2B5EF4-FFF2-40B4-BE49-F238E27FC236}">
+                <a16:creationId xmlns:a16="http://schemas.microsoft.com/office/drawing/2014/main" id="{0652A078-4181-00BF-4919-E27B109D4EDF}"/>
+              </a:ext>
+            </a:extLst>
+          </p:cNvPr>
+          <p:cNvSpPr/>
+          <p:nvPr/>
+        </p:nvSpPr>
+        <p:spPr>
+          <a:xfrm>
+            <a:off x="1380239" y="2327666"/>
+            <a:ext cx="257175" cy="253473"/>
+          </a:xfrm>
+          <a:prstGeom prst="ellipse">
+            <a:avLst/>
+          </a:prstGeom>
+        </p:spPr>
+        <p:style>
+          <a:lnRef idx="1">
+            <a:schemeClr val="accent1"/>
+          </a:lnRef>
+          <a:fillRef idx="2">
+            <a:schemeClr val="accent1"/>
+          </a:fillRef>
+          <a:effectRef idx="1">
+            <a:schemeClr val="accent1"/>
+          </a:effectRef>
+          <a:fontRef idx="minor">
+            <a:schemeClr val="dk1"/>
+          </a:fontRef>
+        </p:style>
+        <p:txBody>
+          <a:bodyPr rtlCol="1" anchor="ctr"/>
+          <a:lstStyle/>
+          <a:p>
+            <a:pPr algn="ctr"/>
+            <a:r>
+              <a:rPr lang="en-US" dirty="0">
+                <a:solidFill>
+                  <a:srgbClr val="FF0000"/>
+                </a:solidFill>
+              </a:rPr>
+              <a:t>4</a:t>
+            </a:r>
+            <a:endParaRPr lang="he-IL" dirty="0">
+              <a:solidFill>
+                <a:srgbClr val="FF0000"/>
+              </a:solidFill>
+            </a:endParaRPr>
+          </a:p>
+        </p:txBody>
+      </p:sp>
+      <p:sp>
+        <p:nvSpPr>
+          <p:cNvPr id="12" name="Oval 11">
+            <a:extLst>
+              <a:ext uri="{FF2B5EF4-FFF2-40B4-BE49-F238E27FC236}">
+                <a16:creationId xmlns:a16="http://schemas.microsoft.com/office/drawing/2014/main" id="{48F8DD16-24D1-43C0-152F-E5F00D5BD339}"/>
+              </a:ext>
+            </a:extLst>
+          </p:cNvPr>
+          <p:cNvSpPr/>
+          <p:nvPr/>
+        </p:nvSpPr>
+        <p:spPr>
+          <a:xfrm>
+            <a:off x="6630700" y="3170646"/>
+            <a:ext cx="257175" cy="253473"/>
+          </a:xfrm>
+          <a:prstGeom prst="ellipse">
+            <a:avLst/>
+          </a:prstGeom>
+        </p:spPr>
+        <p:style>
+          <a:lnRef idx="1">
+            <a:schemeClr val="accent1"/>
+          </a:lnRef>
+          <a:fillRef idx="2">
+            <a:schemeClr val="accent1"/>
+          </a:fillRef>
+          <a:effectRef idx="1">
+            <a:schemeClr val="accent1"/>
+          </a:effectRef>
+          <a:fontRef idx="minor">
+            <a:schemeClr val="dk1"/>
+          </a:fontRef>
+        </p:style>
+        <p:txBody>
+          <a:bodyPr rtlCol="1" anchor="ctr"/>
+          <a:lstStyle/>
+          <a:p>
+            <a:pPr algn="ctr"/>
+            <a:r>
+              <a:rPr lang="en-US" dirty="0">
+                <a:solidFill>
+                  <a:srgbClr val="FF0000"/>
+                </a:solidFill>
+              </a:rPr>
+              <a:t>5</a:t>
+            </a:r>
+            <a:endParaRPr lang="he-IL" dirty="0">
+              <a:solidFill>
+                <a:srgbClr val="FF0000"/>
+              </a:solidFill>
+            </a:endParaRPr>
+          </a:p>
+        </p:txBody>
+      </p:sp>
+      <p:sp>
+        <p:nvSpPr>
+          <p:cNvPr id="13" name="Oval 12">
+            <a:extLst>
+              <a:ext uri="{FF2B5EF4-FFF2-40B4-BE49-F238E27FC236}">
+                <a16:creationId xmlns:a16="http://schemas.microsoft.com/office/drawing/2014/main" id="{56B015DE-0FB8-C3A1-2A9F-E2509D1041CE}"/>
+              </a:ext>
+            </a:extLst>
+          </p:cNvPr>
+          <p:cNvSpPr/>
+          <p:nvPr/>
+        </p:nvSpPr>
+        <p:spPr>
+          <a:xfrm>
+            <a:off x="6493390" y="4598141"/>
+            <a:ext cx="257175" cy="253473"/>
+          </a:xfrm>
+          <a:prstGeom prst="ellipse">
+            <a:avLst/>
+          </a:prstGeom>
+        </p:spPr>
+        <p:style>
+          <a:lnRef idx="1">
+            <a:schemeClr val="accent1"/>
+          </a:lnRef>
+          <a:fillRef idx="2">
+            <a:schemeClr val="accent1"/>
+          </a:fillRef>
+          <a:effectRef idx="1">
+            <a:schemeClr val="accent1"/>
+          </a:effectRef>
+          <a:fontRef idx="minor">
+            <a:schemeClr val="dk1"/>
+          </a:fontRef>
+        </p:style>
+        <p:txBody>
+          <a:bodyPr rtlCol="1" anchor="ctr"/>
+          <a:lstStyle/>
+          <a:p>
+            <a:pPr algn="ctr"/>
+            <a:r>
+              <a:rPr lang="en-US" dirty="0">
+                <a:solidFill>
+                  <a:srgbClr val="FF0000"/>
+                </a:solidFill>
+              </a:rPr>
+              <a:t>6</a:t>
+            </a:r>
+            <a:endParaRPr lang="he-IL" dirty="0">
+              <a:solidFill>
+                <a:srgbClr val="FF0000"/>
+              </a:solidFill>
+            </a:endParaRPr>
+          </a:p>
+        </p:txBody>
+      </p:sp>
+      <p:sp>
+        <p:nvSpPr>
+          <p:cNvPr id="14" name="Oval 13">
+            <a:extLst>
+              <a:ext uri="{FF2B5EF4-FFF2-40B4-BE49-F238E27FC236}">
+                <a16:creationId xmlns:a16="http://schemas.microsoft.com/office/drawing/2014/main" id="{00570EC6-A745-3859-5E13-F5146D8F13C1}"/>
+              </a:ext>
+            </a:extLst>
+          </p:cNvPr>
+          <p:cNvSpPr/>
+          <p:nvPr/>
+        </p:nvSpPr>
+        <p:spPr>
+          <a:xfrm>
+            <a:off x="6140965" y="5799241"/>
+            <a:ext cx="257175" cy="253473"/>
+          </a:xfrm>
+          <a:prstGeom prst="ellipse">
+            <a:avLst/>
+          </a:prstGeom>
+        </p:spPr>
+        <p:style>
+          <a:lnRef idx="1">
+            <a:schemeClr val="accent1"/>
+          </a:lnRef>
+          <a:fillRef idx="2">
+            <a:schemeClr val="accent1"/>
+          </a:fillRef>
+          <a:effectRef idx="1">
+            <a:schemeClr val="accent1"/>
+          </a:effectRef>
+          <a:fontRef idx="minor">
+            <a:schemeClr val="dk1"/>
+          </a:fontRef>
+        </p:style>
+        <p:txBody>
+          <a:bodyPr rtlCol="1" anchor="ctr"/>
+          <a:lstStyle/>
+          <a:p>
+            <a:pPr algn="ctr"/>
+            <a:r>
+              <a:rPr lang="en-US" dirty="0">
+                <a:solidFill>
+                  <a:srgbClr val="FF0000"/>
+                </a:solidFill>
+              </a:rPr>
+              <a:t>7</a:t>
+            </a:r>
+            <a:endParaRPr lang="he-IL" dirty="0">
+              <a:solidFill>
+                <a:srgbClr val="FF0000"/>
+              </a:solidFill>
+            </a:endParaRPr>
+          </a:p>
+        </p:txBody>
+      </p:sp>
     </p:spTree>
     <p:extLst>
       <p:ext uri="{BB962C8B-B14F-4D97-AF65-F5344CB8AC3E}">
@@ -23213,6 +24601,33 @@
                                   </p:childTnLst>
                                 </p:cTn>
                               </p:par>
+                              <p:par>
+                                <p:cTn id="17" presetID="1" presetClass="entr" presetSubtype="0" fill="hold" grpId="0" nodeType="withEffect">
+                                  <p:stCondLst>
+                                    <p:cond delay="0"/>
+                                  </p:stCondLst>
+                                  <p:childTnLst>
+                                    <p:set>
+                                      <p:cBhvr>
+                                        <p:cTn id="18" dur="1" fill="hold">
+                                          <p:stCondLst>
+                                            <p:cond delay="0"/>
+                                          </p:stCondLst>
+                                        </p:cTn>
+                                        <p:tgtEl>
+                                          <p:spTgt spid="12"/>
+                                        </p:tgtEl>
+                                        <p:attrNameLst>
+                                          <p:attrName>style.visibility</p:attrName>
+                                        </p:attrNameLst>
+                                      </p:cBhvr>
+                                      <p:to>
+                                        <p:strVal val="visible"/>
+                                      </p:to>
+                                    </p:set>
+                                  </p:childTnLst>
+                                </p:cTn>
+                              </p:par>
                             </p:childTnLst>
                           </p:cTn>
                         </p:par>
@@ -23220,32 +24635,86 @@
                     </p:cTn>
                   </p:par>
                   <p:par>
-                    <p:cTn id="17" fill="hold">
+                    <p:cTn id="19" fill="hold">
                       <p:stCondLst>
                         <p:cond delay="indefinite"/>
                       </p:stCondLst>
                       <p:childTnLst>
                         <p:par>
-                          <p:cTn id="18" fill="hold">
+                          <p:cTn id="20" fill="hold">
                             <p:stCondLst>
                               <p:cond delay="0"/>
                             </p:stCondLst>
                             <p:childTnLst>
                               <p:par>
-                                <p:cTn id="19" presetID="1" presetClass="entr" presetSubtype="0" fill="hold" nodeType="clickEffect">
+                                <p:cTn id="21" presetID="1" presetClass="entr" presetSubtype="0" fill="hold" nodeType="clickEffect">
                                   <p:stCondLst>
                                     <p:cond delay="0"/>
                                   </p:stCondLst>
                                   <p:childTnLst>
                                     <p:set>
                                       <p:cBhvr>
-                                        <p:cTn id="20" dur="1" fill="hold">
+                                        <p:cTn id="22" dur="1" fill="hold">
                                           <p:stCondLst>
                                             <p:cond delay="0"/>
                                           </p:stCondLst>
                                         </p:cTn>
                                         <p:tgtEl>
                                           <p:spTgt spid="8"/>
+                                        </p:tgtEl>
+                                        <p:attrNameLst>
+                                          <p:attrName>style.visibility</p:attrName>
+                                        </p:attrNameLst>
+                                      </p:cBhvr>
+                                      <p:to>
+                                        <p:strVal val="visible"/>
+                                      </p:to>
+                                    </p:set>
+                                  </p:childTnLst>
+                                </p:cTn>
+                              </p:par>
+                              <p:par>
+                                <p:cTn id="23" presetID="1" presetClass="entr" presetSubtype="0" fill="hold" grpId="0" nodeType="withEffect">
+                                  <p:stCondLst>
+                                    <p:cond delay="0"/>
+                                  </p:stCondLst>
+                                  <p:childTnLst>
+                                    <p:set>
+                                      <p:cBhvr>
+                                        <p:cTn id="24" dur="1" fill="hold">
+                                          <p:stCondLst>
+                                            <p:cond delay="0"/>
+                                          </p:stCondLst>
+                                        </p:cTn>
+                                        <p:tgtEl>
+                                          <p:spTgt spid="13"/>
+                                        </p:tgtEl>
+                                        <p:attrNameLst>
+                                          <p:attrName>style.visibility</p:attrName>
+                                        </p:attrNameLst>
+                                      </p:cBhvr>
+                                      <p:to>
+                                        <p:strVal val="visible"/>
+                                      </p:to>
+                                    </p:set>
+                                  </p:childTnLst>
+                                </p:cTn>
+                              </p:par>
+                              <p:par>
+                                <p:cTn id="25" presetID="1" presetClass="entr" presetSubtype="0" fill="hold" grpId="0" nodeType="withEffect">
+                                  <p:stCondLst>
+                                    <p:cond delay="0"/>
+                                  </p:stCondLst>
+                                  <p:childTnLst>
+                                    <p:set>
+                                      <p:cBhvr>
+                                        <p:cTn id="26" dur="1" fill="hold">
+                                          <p:stCondLst>
+                                            <p:cond delay="0"/>
+                                          </p:stCondLst>
+                                        </p:cTn>
+                                        <p:tgtEl>
+                                          <p:spTgt spid="14"/>
                                         </p:tgtEl>
                                         <p:attrNameLst>
                                           <p:attrName>style.visibility</p:attrName>
@@ -23285,6 +24754,11 @@
         </p:cTn>
       </p:par>
     </p:tnLst>
+    <p:bldLst>
+      <p:bldP spid="12" grpId="0" animBg="1"/>
+      <p:bldP spid="13" grpId="0" animBg="1"/>
+      <p:bldP spid="14" grpId="0" animBg="1"/>
+    </p:bldLst>
   </p:timing>
 </p:sld>
 </file>
@@ -23723,6 +25197,118 @@
           </a:graphicData>
         </a:graphic>
       </p:graphicFrame>
+      <p:sp>
+        <p:nvSpPr>
+          <p:cNvPr id="4" name="Oval 3">
+            <a:extLst>
+              <a:ext uri="{FF2B5EF4-FFF2-40B4-BE49-F238E27FC236}">
+                <a16:creationId xmlns:a16="http://schemas.microsoft.com/office/drawing/2014/main" id="{4A04A70C-C6CB-1C44-C10A-D11347B9039F}"/>
+              </a:ext>
+            </a:extLst>
+          </p:cNvPr>
+          <p:cNvSpPr/>
+          <p:nvPr/>
+        </p:nvSpPr>
+        <p:spPr>
+          <a:xfrm>
+            <a:off x="4839784" y="4675106"/>
+            <a:ext cx="257175" cy="253473"/>
+          </a:xfrm>
+          <a:prstGeom prst="ellipse">
+            <a:avLst/>
+          </a:prstGeom>
+        </p:spPr>
+        <p:style>
+          <a:lnRef idx="1">
+            <a:schemeClr val="accent1"/>
+          </a:lnRef>
+          <a:fillRef idx="2">
+            <a:schemeClr val="accent1"/>
+          </a:fillRef>
+          <a:effectRef idx="1">
+            <a:schemeClr val="accent1"/>
+          </a:effectRef>
+          <a:fontRef idx="minor">
+            <a:schemeClr val="dk1"/>
+          </a:fontRef>
+        </p:style>
+        <p:txBody>
+          <a:bodyPr rtlCol="1" anchor="ctr"/>
+          <a:lstStyle/>
+          <a:p>
+            <a:pPr algn="ctr"/>
+            <a:r>
+              <a:rPr lang="en-US" dirty="0">
+                <a:solidFill>
+                  <a:srgbClr val="FF0000"/>
+                </a:solidFill>
+              </a:rPr>
+              <a:t>7</a:t>
+            </a:r>
+            <a:endParaRPr lang="he-IL" dirty="0">
+              <a:solidFill>
+                <a:srgbClr val="FF0000"/>
+              </a:solidFill>
+            </a:endParaRPr>
+          </a:p>
+        </p:txBody>
+      </p:sp>
+      <p:sp>
+        <p:nvSpPr>
+          <p:cNvPr id="6" name="Oval 5">
+            <a:extLst>
+              <a:ext uri="{FF2B5EF4-FFF2-40B4-BE49-F238E27FC236}">
+                <a16:creationId xmlns:a16="http://schemas.microsoft.com/office/drawing/2014/main" id="{26AEF93E-D569-1E07-B0C5-0335A8014639}"/>
+              </a:ext>
+            </a:extLst>
+          </p:cNvPr>
+          <p:cNvSpPr/>
+          <p:nvPr/>
+        </p:nvSpPr>
+        <p:spPr>
+          <a:xfrm>
+            <a:off x="4711197" y="5783730"/>
+            <a:ext cx="257175" cy="253473"/>
+          </a:xfrm>
+          <a:prstGeom prst="ellipse">
+            <a:avLst/>
+          </a:prstGeom>
+        </p:spPr>
+        <p:style>
+          <a:lnRef idx="1">
+            <a:schemeClr val="accent1"/>
+          </a:lnRef>
+          <a:fillRef idx="2">
+            <a:schemeClr val="accent1"/>
+          </a:fillRef>
+          <a:effectRef idx="1">
+            <a:schemeClr val="accent1"/>
+          </a:effectRef>
+          <a:fontRef idx="minor">
+            <a:schemeClr val="dk1"/>
+          </a:fontRef>
+        </p:style>
+        <p:txBody>
+          <a:bodyPr rtlCol="1" anchor="ctr"/>
+          <a:lstStyle/>
+          <a:p>
+            <a:pPr algn="ctr"/>
+            <a:r>
+              <a:rPr lang="en-US" dirty="0">
+                <a:solidFill>
+                  <a:srgbClr val="FF0000"/>
+                </a:solidFill>
+              </a:rPr>
+              <a:t>8</a:t>
+            </a:r>
+            <a:endParaRPr lang="he-IL" dirty="0">
+              <a:solidFill>
+                <a:srgbClr val="FF0000"/>
+              </a:solidFill>
+            </a:endParaRPr>
+          </a:p>
+        </p:txBody>
+      </p:sp>
     </p:spTree>
     <p:extLst>
       <p:ext uri="{BB962C8B-B14F-4D97-AF65-F5344CB8AC3E}">
@@ -23780,6 +25366,33 @@
                                   </p:childTnLst>
                                 </p:cTn>
                               </p:par>
+                              <p:par>
+                                <p:cTn id="7" presetID="1" presetClass="entr" presetSubtype="0" fill="hold" grpId="0" nodeType="withEffect">
+                                  <p:stCondLst>
+                                    <p:cond delay="0"/>
+                                  </p:stCondLst>
+                                  <p:childTnLst>
+                                    <p:set>
+                                      <p:cBhvr>
+                                        <p:cTn id="8" dur="1" fill="hold">
+                                          <p:stCondLst>
+                                            <p:cond delay="0"/>
+                                          </p:stCondLst>
+                                        </p:cTn>
+                                        <p:tgtEl>
+                                          <p:spTgt spid="4"/>
+                                        </p:tgtEl>
+                                        <p:attrNameLst>
+                                          <p:attrName>style.visibility</p:attrName>
+                                        </p:attrNameLst>
+                                      </p:cBhvr>
+                                      <p:to>
+                                        <p:strVal val="visible"/>
+                                      </p:to>
+                                    </p:set>
+                                  </p:childTnLst>
+                                </p:cTn>
+                              </p:par>
                             </p:childTnLst>
                           </p:cTn>
                         </p:par>
@@ -23787,32 +25400,59 @@
                     </p:cTn>
                   </p:par>
                   <p:par>
-                    <p:cTn id="7" fill="hold">
+                    <p:cTn id="9" fill="hold">
                       <p:stCondLst>
                         <p:cond delay="indefinite"/>
                       </p:stCondLst>
                       <p:childTnLst>
                         <p:par>
-                          <p:cTn id="8" fill="hold">
+                          <p:cTn id="10" fill="hold">
                             <p:stCondLst>
                               <p:cond delay="0"/>
                             </p:stCondLst>
                             <p:childTnLst>
                               <p:par>
-                                <p:cTn id="9" presetID="1" presetClass="entr" presetSubtype="0" fill="hold" nodeType="clickEffect">
+                                <p:cTn id="11" presetID="1" presetClass="entr" presetSubtype="0" fill="hold" nodeType="clickEffect">
                                   <p:stCondLst>
                                     <p:cond delay="0"/>
                                   </p:stCondLst>
                                   <p:childTnLst>
                                     <p:set>
                                       <p:cBhvr>
-                                        <p:cTn id="10" dur="1" fill="hold">
+                                        <p:cTn id="12" dur="1" fill="hold">
                                           <p:stCondLst>
                                             <p:cond delay="0"/>
                                           </p:stCondLst>
                                         </p:cTn>
                                         <p:tgtEl>
                                           <p:spTgt spid="11"/>
+                                        </p:tgtEl>
+                                        <p:attrNameLst>
+                                          <p:attrName>style.visibility</p:attrName>
+                                        </p:attrNameLst>
+                                      </p:cBhvr>
+                                      <p:to>
+                                        <p:strVal val="visible"/>
+                                      </p:to>
+                                    </p:set>
+                                  </p:childTnLst>
+                                </p:cTn>
+                              </p:par>
+                              <p:par>
+                                <p:cTn id="13" presetID="1" presetClass="entr" presetSubtype="0" fill="hold" grpId="0" nodeType="withEffect">
+                                  <p:stCondLst>
+                                    <p:cond delay="0"/>
+                                  </p:stCondLst>
+                                  <p:childTnLst>
+                                    <p:set>
+                                      <p:cBhvr>
+                                        <p:cTn id="14" dur="1" fill="hold">
+                                          <p:stCondLst>
+                                            <p:cond delay="0"/>
+                                          </p:stCondLst>
+                                        </p:cTn>
+                                        <p:tgtEl>
+                                          <p:spTgt spid="6"/>
                                         </p:tgtEl>
                                         <p:attrNameLst>
                                           <p:attrName>style.visibility</p:attrName>
@@ -23852,6 +25492,10 @@
         </p:cTn>
       </p:par>
     </p:tnLst>
+    <p:bldLst>
+      <p:bldP spid="4" grpId="0" animBg="1"/>
+      <p:bldP spid="6" grpId="0" animBg="1"/>
+    </p:bldLst>
   </p:timing>
 </p:sld>
 </file>
@@ -23955,10 +25599,16 @@
           <p:cNvGraphicFramePr>
             <a:graphicFrameLocks noChangeAspect="1"/>
           </p:cNvGraphicFramePr>
-          <p:nvPr/>
+          <p:nvPr>
+            <p:extLst>
+              <p:ext uri="{D42A27DB-BD31-4B8C-83A1-F6EECF244321}">
+                <p14:modId xmlns:p14="http://schemas.microsoft.com/office/powerpoint/2010/main" val="3351183479"/>
+              </p:ext>
+            </p:extLst>
+          </p:nvPr>
         </p:nvGraphicFramePr>
         <p:xfrm>
-          <a:off x="476322" y="2401454"/>
+          <a:off x="362060" y="2300334"/>
           <a:ext cx="5733940" cy="895928"/>
         </p:xfrm>
         <a:graphic>
@@ -23992,7 +25642,7 @@
                     </p:blipFill>
                     <p:spPr>
                       <a:xfrm>
-                        <a:off x="476322" y="2401454"/>
+                        <a:off x="362060" y="2300334"/>
                         <a:ext cx="5733940" cy="895928"/>
                       </a:xfrm>
                       <a:prstGeom prst="rect">
@@ -24090,13 +25740,13 @@
           <p:nvPr>
             <p:extLst>
               <p:ext uri="{D42A27DB-BD31-4B8C-83A1-F6EECF244321}">
-                <p14:modId xmlns:p14="http://schemas.microsoft.com/office/powerpoint/2010/main" val="284206908"/>
+                <p14:modId xmlns:p14="http://schemas.microsoft.com/office/powerpoint/2010/main" val="3235840377"/>
               </p:ext>
             </p:extLst>
           </p:nvPr>
         </p:nvGraphicFramePr>
         <p:xfrm>
-          <a:off x="1569893" y="4669557"/>
+          <a:off x="1508826" y="4719627"/>
           <a:ext cx="6785231" cy="1537279"/>
         </p:xfrm>
         <a:graphic>
@@ -24130,7 +25780,7 @@
                     </p:blipFill>
                     <p:spPr>
                       <a:xfrm>
-                        <a:off x="1569893" y="4669557"/>
+                        <a:off x="1508826" y="4719627"/>
                         <a:ext cx="6785231" cy="1537279"/>
                       </a:xfrm>
                       <a:prstGeom prst="rect">
@@ -24159,13 +25809,13 @@
           <p:nvPr>
             <p:extLst>
               <p:ext uri="{D42A27DB-BD31-4B8C-83A1-F6EECF244321}">
-                <p14:modId xmlns:p14="http://schemas.microsoft.com/office/powerpoint/2010/main" val="3662260773"/>
+                <p14:modId xmlns:p14="http://schemas.microsoft.com/office/powerpoint/2010/main" val="159070346"/>
               </p:ext>
             </p:extLst>
           </p:nvPr>
         </p:nvGraphicFramePr>
         <p:xfrm>
-          <a:off x="8355124" y="4905370"/>
+          <a:off x="8294057" y="4972476"/>
           <a:ext cx="3264221" cy="582897"/>
         </p:xfrm>
         <a:graphic>
@@ -24199,7 +25849,7 @@
                     </p:blipFill>
                     <p:spPr>
                       <a:xfrm>
-                        <a:off x="8355124" y="4905370"/>
+                        <a:off x="8294057" y="4972476"/>
                         <a:ext cx="3264221" cy="582897"/>
                       </a:xfrm>
                       <a:prstGeom prst="rect">
@@ -24213,6 +25863,230 @@
           </a:graphicData>
         </a:graphic>
       </p:graphicFrame>
+      <p:sp>
+        <p:nvSpPr>
+          <p:cNvPr id="8" name="Oval 7">
+            <a:extLst>
+              <a:ext uri="{FF2B5EF4-FFF2-40B4-BE49-F238E27FC236}">
+                <a16:creationId xmlns:a16="http://schemas.microsoft.com/office/drawing/2014/main" id="{772F11BD-E8A2-0BFA-B6CE-2AFAD75612FD}"/>
+              </a:ext>
+            </a:extLst>
+          </p:cNvPr>
+          <p:cNvSpPr/>
+          <p:nvPr/>
+        </p:nvSpPr>
+        <p:spPr>
+          <a:xfrm>
+            <a:off x="1380239" y="2327666"/>
+            <a:ext cx="257175" cy="253473"/>
+          </a:xfrm>
+          <a:prstGeom prst="ellipse">
+            <a:avLst/>
+          </a:prstGeom>
+        </p:spPr>
+        <p:style>
+          <a:lnRef idx="1">
+            <a:schemeClr val="accent1"/>
+          </a:lnRef>
+          <a:fillRef idx="2">
+            <a:schemeClr val="accent1"/>
+          </a:fillRef>
+          <a:effectRef idx="1">
+            <a:schemeClr val="accent1"/>
+          </a:effectRef>
+          <a:fontRef idx="minor">
+            <a:schemeClr val="dk1"/>
+          </a:fontRef>
+        </p:style>
+        <p:txBody>
+          <a:bodyPr rtlCol="1" anchor="ctr"/>
+          <a:lstStyle/>
+          <a:p>
+            <a:pPr algn="ctr"/>
+            <a:r>
+              <a:rPr lang="en-US" dirty="0">
+                <a:solidFill>
+                  <a:srgbClr val="FF0000"/>
+                </a:solidFill>
+              </a:rPr>
+              <a:t>4</a:t>
+            </a:r>
+            <a:endParaRPr lang="he-IL" dirty="0">
+              <a:solidFill>
+                <a:srgbClr val="FF0000"/>
+              </a:solidFill>
+            </a:endParaRPr>
+          </a:p>
+        </p:txBody>
+      </p:sp>
+      <p:sp>
+        <p:nvSpPr>
+          <p:cNvPr id="9" name="Oval 8">
+            <a:extLst>
+              <a:ext uri="{FF2B5EF4-FFF2-40B4-BE49-F238E27FC236}">
+                <a16:creationId xmlns:a16="http://schemas.microsoft.com/office/drawing/2014/main" id="{B1A20DB8-1CA3-B681-46E8-CD6C20DC0457}"/>
+              </a:ext>
+            </a:extLst>
+          </p:cNvPr>
+          <p:cNvSpPr/>
+          <p:nvPr/>
+        </p:nvSpPr>
+        <p:spPr>
+          <a:xfrm>
+            <a:off x="2044197" y="3371170"/>
+            <a:ext cx="257175" cy="253473"/>
+          </a:xfrm>
+          <a:prstGeom prst="ellipse">
+            <a:avLst/>
+          </a:prstGeom>
+        </p:spPr>
+        <p:style>
+          <a:lnRef idx="1">
+            <a:schemeClr val="accent1"/>
+          </a:lnRef>
+          <a:fillRef idx="2">
+            <a:schemeClr val="accent1"/>
+          </a:fillRef>
+          <a:effectRef idx="1">
+            <a:schemeClr val="accent1"/>
+          </a:effectRef>
+          <a:fontRef idx="minor">
+            <a:schemeClr val="dk1"/>
+          </a:fontRef>
+        </p:style>
+        <p:txBody>
+          <a:bodyPr rtlCol="1" anchor="ctr"/>
+          <a:lstStyle/>
+          <a:p>
+            <a:pPr algn="ctr"/>
+            <a:r>
+              <a:rPr lang="en-US" dirty="0">
+                <a:solidFill>
+                  <a:srgbClr val="FF0000"/>
+                </a:solidFill>
+              </a:rPr>
+              <a:t>8</a:t>
+            </a:r>
+            <a:endParaRPr lang="he-IL" dirty="0">
+              <a:solidFill>
+                <a:srgbClr val="FF0000"/>
+              </a:solidFill>
+            </a:endParaRPr>
+          </a:p>
+        </p:txBody>
+      </p:sp>
+      <p:sp>
+        <p:nvSpPr>
+          <p:cNvPr id="10" name="Oval 9">
+            <a:extLst>
+              <a:ext uri="{FF2B5EF4-FFF2-40B4-BE49-F238E27FC236}">
+                <a16:creationId xmlns:a16="http://schemas.microsoft.com/office/drawing/2014/main" id="{BC76019B-475C-3083-22AC-3AC622E846F4}"/>
+              </a:ext>
+            </a:extLst>
+          </p:cNvPr>
+          <p:cNvSpPr/>
+          <p:nvPr/>
+        </p:nvSpPr>
+        <p:spPr>
+          <a:xfrm>
+            <a:off x="1349705" y="4719003"/>
+            <a:ext cx="257175" cy="253473"/>
+          </a:xfrm>
+          <a:prstGeom prst="ellipse">
+            <a:avLst/>
+          </a:prstGeom>
+        </p:spPr>
+        <p:style>
+          <a:lnRef idx="1">
+            <a:schemeClr val="accent1"/>
+          </a:lnRef>
+          <a:fillRef idx="2">
+            <a:schemeClr val="accent1"/>
+          </a:fillRef>
+          <a:effectRef idx="1">
+            <a:schemeClr val="accent1"/>
+          </a:effectRef>
+          <a:fontRef idx="minor">
+            <a:schemeClr val="dk1"/>
+          </a:fontRef>
+        </p:style>
+        <p:txBody>
+          <a:bodyPr rtlCol="1" anchor="ctr"/>
+          <a:lstStyle/>
+          <a:p>
+            <a:pPr algn="ctr"/>
+            <a:r>
+              <a:rPr lang="en-US" dirty="0">
+                <a:solidFill>
+                  <a:srgbClr val="FF0000"/>
+                </a:solidFill>
+              </a:rPr>
+              <a:t>9</a:t>
+            </a:r>
+            <a:endParaRPr lang="he-IL" dirty="0">
+              <a:solidFill>
+                <a:srgbClr val="FF0000"/>
+              </a:solidFill>
+            </a:endParaRPr>
+          </a:p>
+        </p:txBody>
+      </p:sp>
+      <p:sp>
+        <p:nvSpPr>
+          <p:cNvPr id="11" name="Oval 10">
+            <a:extLst>
+              <a:ext uri="{FF2B5EF4-FFF2-40B4-BE49-F238E27FC236}">
+                <a16:creationId xmlns:a16="http://schemas.microsoft.com/office/drawing/2014/main" id="{A2D3A2F7-6EF3-48B0-9605-338234CA96D8}"/>
+              </a:ext>
+            </a:extLst>
+          </p:cNvPr>
+          <p:cNvSpPr/>
+          <p:nvPr/>
+        </p:nvSpPr>
+        <p:spPr>
+          <a:xfrm>
+            <a:off x="8497958" y="4719002"/>
+            <a:ext cx="636517" cy="253474"/>
+          </a:xfrm>
+          <a:prstGeom prst="ellipse">
+            <a:avLst/>
+          </a:prstGeom>
+        </p:spPr>
+        <p:style>
+          <a:lnRef idx="1">
+            <a:schemeClr val="accent1"/>
+          </a:lnRef>
+          <a:fillRef idx="2">
+            <a:schemeClr val="accent1"/>
+          </a:fillRef>
+          <a:effectRef idx="1">
+            <a:schemeClr val="accent1"/>
+          </a:effectRef>
+          <a:fontRef idx="minor">
+            <a:schemeClr val="dk1"/>
+          </a:fontRef>
+        </p:style>
+        <p:txBody>
+          <a:bodyPr rtlCol="1" anchor="ctr"/>
+          <a:lstStyle/>
+          <a:p>
+            <a:pPr algn="ctr"/>
+            <a:r>
+              <a:rPr lang="en-US" dirty="0">
+                <a:solidFill>
+                  <a:srgbClr val="FF0000"/>
+                </a:solidFill>
+              </a:rPr>
+              <a:t>10</a:t>
+            </a:r>
+            <a:endParaRPr lang="he-IL" dirty="0">
+              <a:solidFill>
+                <a:srgbClr val="FF0000"/>
+              </a:solidFill>
+            </a:endParaRPr>
+          </a:p>
+        </p:txBody>
+      </p:sp>
     </p:spTree>
     <p:extLst>
       <p:ext uri="{BB962C8B-B14F-4D97-AF65-F5344CB8AC3E}">
@@ -24223,6 +26097,184 @@
   <p:clrMapOvr>
     <a:masterClrMapping/>
   </p:clrMapOvr>
+  <p:timing>
+    <p:tnLst>
+      <p:par>
+        <p:cTn id="1" dur="indefinite" restart="never" nodeType="tmRoot">
+          <p:childTnLst>
+            <p:seq concurrent="1" nextAc="seek">
+              <p:cTn id="2" dur="indefinite" nodeType="mainSeq">
+                <p:childTnLst>
+                  <p:par>
+                    <p:cTn id="3" fill="hold">
+                      <p:stCondLst>
+                        <p:cond delay="indefinite"/>
+                      </p:stCondLst>
+                      <p:childTnLst>
+                        <p:par>
+                          <p:cTn id="4" fill="hold">
+                            <p:stCondLst>
+                              <p:cond delay="0"/>
+                            </p:stCondLst>
+                            <p:childTnLst>
+                              <p:par>
+                                <p:cTn id="5" presetID="1" presetClass="entr" presetSubtype="0" fill="hold" grpId="0" nodeType="clickEffect">
+                                  <p:stCondLst>
+                                    <p:cond delay="0"/>
+                                  </p:stCondLst>
+                                  <p:childTnLst>
+                                    <p:set>
+                                      <p:cBhvr>
+                                        <p:cTn id="6" dur="1" fill="hold">
+                                          <p:stCondLst>
+                                            <p:cond delay="0"/>
+                                          </p:stCondLst>
+                                        </p:cTn>
+                                        <p:tgtEl>
+                                          <p:spTgt spid="10"/>
+                                        </p:tgtEl>
+                                        <p:attrNameLst>
+                                          <p:attrName>style.visibility</p:attrName>
+                                        </p:attrNameLst>
+                                      </p:cBhvr>
+                                      <p:to>
+                                        <p:strVal val="visible"/>
+                                      </p:to>
+                                    </p:set>
+                                  </p:childTnLst>
+                                </p:cTn>
+                              </p:par>
+                              <p:par>
+                                <p:cTn id="7" presetID="1" presetClass="entr" presetSubtype="0" fill="hold" nodeType="withEffect">
+                                  <p:stCondLst>
+                                    <p:cond delay="0"/>
+                                  </p:stCondLst>
+                                  <p:childTnLst>
+                                    <p:set>
+                                      <p:cBhvr>
+                                        <p:cTn id="8" dur="1" fill="hold">
+                                          <p:stCondLst>
+                                            <p:cond delay="0"/>
+                                          </p:stCondLst>
+                                        </p:cTn>
+                                        <p:tgtEl>
+                                          <p:spTgt spid="4"/>
+                                        </p:tgtEl>
+                                        <p:attrNameLst>
+                                          <p:attrName>style.visibility</p:attrName>
+                                        </p:attrNameLst>
+                                      </p:cBhvr>
+                                      <p:to>
+                                        <p:strVal val="visible"/>
+                                      </p:to>
+                                    </p:set>
+                                  </p:childTnLst>
+                                </p:cTn>
+                              </p:par>
+                            </p:childTnLst>
+                          </p:cTn>
+                        </p:par>
+                      </p:childTnLst>
+                    </p:cTn>
+                  </p:par>
+                  <p:par>
+                    <p:cTn id="9" fill="hold">
+                      <p:stCondLst>
+                        <p:cond delay="indefinite"/>
+                      </p:stCondLst>
+                      <p:childTnLst>
+                        <p:par>
+                          <p:cTn id="10" fill="hold">
+                            <p:stCondLst>
+                              <p:cond delay="0"/>
+                            </p:stCondLst>
+                            <p:childTnLst>
+                              <p:par>
+                                <p:cTn id="11" presetID="1" presetClass="entr" presetSubtype="0" fill="hold" grpId="0" nodeType="clickEffect">
+                                  <p:stCondLst>
+                                    <p:cond delay="0"/>
+                                  </p:stCondLst>
+                                  <p:childTnLst>
+                                    <p:set>
+                                      <p:cBhvr>
+                                        <p:cTn id="12" dur="1" fill="hold">
+                                          <p:stCondLst>
+                                            <p:cond delay="0"/>
+                                          </p:stCondLst>
+                                        </p:cTn>
+                                        <p:tgtEl>
+                                          <p:spTgt spid="11"/>
+                                        </p:tgtEl>
+                                        <p:attrNameLst>
+                                          <p:attrName>style.visibility</p:attrName>
+                                        </p:attrNameLst>
+                                      </p:cBhvr>
+                                      <p:to>
+                                        <p:strVal val="visible"/>
+                                      </p:to>
+                                    </p:set>
+                                  </p:childTnLst>
+                                </p:cTn>
+                              </p:par>
+                              <p:par>
+                                <p:cTn id="13" presetID="1" presetClass="entr" presetSubtype="0" fill="hold" nodeType="withEffect">
+                                  <p:stCondLst>
+                                    <p:cond delay="0"/>
+                                  </p:stCondLst>
+                                  <p:childTnLst>
+                                    <p:set>
+                                      <p:cBhvr>
+                                        <p:cTn id="14" dur="1" fill="hold">
+                                          <p:stCondLst>
+                                            <p:cond delay="0"/>
+                                          </p:stCondLst>
+                                        </p:cTn>
+                                        <p:tgtEl>
+                                          <p:spTgt spid="6"/>
+                                        </p:tgtEl>
+                                        <p:attrNameLst>
+                                          <p:attrName>style.visibility</p:attrName>
+                                        </p:attrNameLst>
+                                      </p:cBhvr>
+                                      <p:to>
+                                        <p:strVal val="visible"/>
+                                      </p:to>
+                                    </p:set>
+                                  </p:childTnLst>
+                                </p:cTn>
+                              </p:par>
+                            </p:childTnLst>
+                          </p:cTn>
+                        </p:par>
+                      </p:childTnLst>
+                    </p:cTn>
+                  </p:par>
+                </p:childTnLst>
+              </p:cTn>
+              <p:prevCondLst>
+                <p:cond evt="onPrev" delay="0">
+                  <p:tgtEl>
+                    <p:sldTgt/>
+                  </p:tgtEl>
+                </p:cond>
+              </p:prevCondLst>
+              <p:nextCondLst>
+                <p:cond evt="onNext" delay="0">
+                  <p:tgtEl>
+                    <p:sldTgt/>
+                  </p:tgtEl>
+                </p:cond>
+              </p:nextCondLst>
+            </p:seq>
+          </p:childTnLst>
+        </p:cTn>
+      </p:par>
+    </p:tnLst>
+    <p:bldLst>
+      <p:bldP spid="10" grpId="0" animBg="1"/>
+      <p:bldP spid="11" grpId="0" animBg="1"/>
+    </p:bldLst>
+  </p:timing>
 </p:sld>
 </file>
 
@@ -24870,10 +26922,10 @@
           <a:p>
             <a:pPr algn="ctr"/>
             <a:r>
-              <a:rPr lang="en-US" sz="7200"/>
-              <a:t>2e Finding the posterior</a:t>
-            </a:r>
-            <a:endParaRPr lang="en-IL" sz="7200"/>
+              <a:rPr lang="en-US" sz="7200" dirty="0"/>
+              <a:t>2E Finding the posterior</a:t>
+            </a:r>
+            <a:endParaRPr lang="en-IL" sz="7200" dirty="0"/>
           </a:p>
         </p:txBody>
       </p:sp>
@@ -25034,31 +27086,31 @@
           <a:lstStyle/>
           <a:p>
             <a:r>
-              <a:rPr lang="en-US"/>
+              <a:rPr lang="en-US" dirty="0"/>
               <a:t>Imagine three different priors</a:t>
             </a:r>
           </a:p>
           <a:p>
             <a:pPr lvl="1"/>
             <a:r>
-              <a:rPr lang="en-US"/>
-              <a:t>a=1, b=1</a:t>
+              <a:rPr lang="en-US" dirty="0"/>
+              <a:t>Uniform prior: a=1, b=1</a:t>
             </a:r>
           </a:p>
           <a:p>
             <a:pPr lvl="1"/>
             <a:r>
-              <a:rPr lang="en-US"/>
-              <a:t>a=20, b=20</a:t>
+              <a:rPr lang="en-US" dirty="0"/>
+              <a:t>Prior for unbiased: a=20, b=20</a:t>
             </a:r>
           </a:p>
           <a:p>
             <a:pPr lvl="1"/>
             <a:r>
-              <a:rPr lang="en-US"/>
-              <a:t>a=1, b=4</a:t>
-            </a:r>
-            <a:endParaRPr lang="en-IL"/>
+              <a:rPr lang="en-US" dirty="0"/>
+              <a:t>Positive skewed prior: a=1, b=4</a:t>
+            </a:r>
+            <a:endParaRPr lang="en-IL" dirty="0"/>
           </a:p>
         </p:txBody>
       </p:sp>
@@ -30337,40 +32389,32 @@
           <a:lstStyle/>
           <a:p>
             <a:r>
-              <a:rPr lang="en-US"/>
+              <a:rPr lang="en-US" dirty="0"/>
               <a:t>Data is uncertain and imperfect</a:t>
             </a:r>
           </a:p>
           <a:p>
             <a:r>
-              <a:rPr lang="en-US"/>
+              <a:rPr lang="en-US" dirty="0"/>
               <a:t>Data updates models</a:t>
             </a:r>
           </a:p>
           <a:p>
             <a:r>
-              <a:rPr lang="en-US"/>
-              <a:t>Probability can quantify uncertainty</a:t>
-            </a:r>
-          </a:p>
-          <a:p>
-            <a:r>
-              <a:rPr lang="en-US" b="1"/>
+              <a:rPr lang="en-US" dirty="0"/>
+              <a:t>Probability quantifies uncertainty</a:t>
+            </a:r>
+          </a:p>
+          <a:p>
+            <a:r>
+              <a:rPr lang="en-US" b="1" dirty="0"/>
               <a:t>Probability distributions have parameters</a:t>
             </a:r>
           </a:p>
           <a:p>
             <a:r>
-              <a:rPr lang="en-US"/>
-              <a:t>Conditional probability gives </a:t>
-            </a:r>
-            <a:r>
-              <a:rPr lang="en-US" err="1"/>
-              <a:t>Baye’s</a:t>
-            </a:r>
-            <a:r>
-              <a:rPr lang="en-US"/>
-              <a:t> rule</a:t>
+              <a:rPr lang="en-US" dirty="0"/>
+              <a:t>Conditional probability gives Baye’s rule</a:t>
             </a:r>
           </a:p>
         </p:txBody>
@@ -30390,15 +32434,20 @@
           <p:nvPr/>
         </p:nvPicPr>
         <p:blipFill>
-          <a:blip r:embed="rId2"/>
-          <a:stretch>
-            <a:fillRect/>
-          </a:stretch>
+          <a:blip r:embed="rId2" cstate="email">
+            <a:extLst>
+              <a:ext uri="{28A0092B-C50C-407E-A947-70E740481C1C}">
+                <a14:useLocalDpi xmlns:a14="http://schemas.microsoft.com/office/drawing/2010/main" val="0"/>
+              </a:ext>
+            </a:extLst>
+          </a:blip>
+          <a:srcRect/>
+          <a:stretch/>
         </p:blipFill>
         <p:spPr>
           <a:xfrm>
-            <a:off x="6012411" y="3671507"/>
-            <a:ext cx="5341389" cy="2505456"/>
+            <a:off x="6308171" y="4344969"/>
+            <a:ext cx="5341389" cy="2300306"/>
           </a:xfrm>
           <a:prstGeom prst="rect">
             <a:avLst/>
@@ -33273,31 +35322,31 @@
           <a:lstStyle/>
           <a:p>
             <a:r>
-              <a:rPr lang="en-US"/>
+              <a:rPr lang="en-US" dirty="0"/>
               <a:t>Data is uncertain and imperfect</a:t>
             </a:r>
           </a:p>
           <a:p>
             <a:r>
-              <a:rPr lang="en-US"/>
+              <a:rPr lang="en-US" dirty="0"/>
               <a:t>Data updates models</a:t>
             </a:r>
           </a:p>
           <a:p>
             <a:r>
-              <a:rPr lang="en-US"/>
-              <a:t>Probability can quantify uncertainty</a:t>
-            </a:r>
-          </a:p>
-          <a:p>
-            <a:r>
-              <a:rPr lang="en-US"/>
+              <a:rPr lang="en-US" dirty="0"/>
+              <a:t>Probability quantifies uncertainty</a:t>
+            </a:r>
+          </a:p>
+          <a:p>
+            <a:r>
+              <a:rPr lang="en-US" dirty="0"/>
               <a:t>Probability distributions have parameters</a:t>
             </a:r>
           </a:p>
           <a:p>
             <a:r>
-              <a:rPr lang="en-US" b="1"/>
+              <a:rPr lang="en-US" b="1" dirty="0"/>
               <a:t>Conditional probability gives Bayes’ rule</a:t>
             </a:r>
           </a:p>
@@ -33734,21 +35783,21 @@
           <a:lstStyle/>
           <a:p>
             <a:r>
-              <a:rPr lang="en-US"/>
-              <a:t>A model is a specific idea about how data comes from reality</a:t>
+              <a:rPr lang="en-US" dirty="0"/>
+              <a:t>A model says how reality might generate data</a:t>
             </a:r>
           </a:p>
           <a:p>
             <a:pPr lvl="1"/>
             <a:r>
-              <a:rPr lang="en-US"/>
+              <a:rPr lang="en-US" dirty="0"/>
               <a:t>A particular distribution</a:t>
             </a:r>
           </a:p>
           <a:p>
             <a:pPr lvl="2"/>
             <a:r>
-              <a:rPr lang="en-US"/>
+              <a:rPr lang="en-US" dirty="0"/>
               <a:t>With specific parameters</a:t>
             </a:r>
           </a:p>
@@ -33855,15 +35904,20 @@
           <p:nvPr/>
         </p:nvPicPr>
         <p:blipFill>
-          <a:blip r:embed="rId3"/>
-          <a:stretch>
-            <a:fillRect/>
-          </a:stretch>
+          <a:blip r:embed="rId3" cstate="email">
+            <a:extLst>
+              <a:ext uri="{28A0092B-C50C-407E-A947-70E740481C1C}">
+                <a14:useLocalDpi xmlns:a14="http://schemas.microsoft.com/office/drawing/2010/main" val="0"/>
+              </a:ext>
+            </a:extLst>
+          </a:blip>
+          <a:srcRect/>
+          <a:stretch/>
         </p:blipFill>
         <p:spPr>
           <a:xfrm>
-            <a:off x="5710198" y="3429000"/>
-            <a:ext cx="5997169" cy="2765265"/>
+            <a:off x="5710198" y="3468404"/>
+            <a:ext cx="5997169" cy="2686456"/>
           </a:xfrm>
           <a:prstGeom prst="rect">
             <a:avLst/>

--- a/Lectures/Lecture 2 Models.pptx
+++ b/Lectures/Lecture 2 Models.pptx
@@ -6877,7 +6877,7 @@
         </p:nvSpPr>
         <p:spPr>
           <a:xfrm>
-            <a:off x="0" y="0"/>
+            <a:off x="1" y="0"/>
             <a:ext cx="3078427" cy="513508"/>
           </a:xfrm>
           <a:prstGeom prst="rect">
@@ -6908,7 +6908,7 @@
         </p:nvSpPr>
         <p:spPr>
           <a:xfrm>
-            <a:off x="4023992" y="0"/>
+            <a:off x="4023993" y="0"/>
             <a:ext cx="3078427" cy="513508"/>
           </a:xfrm>
           <a:prstGeom prst="rect">
@@ -6925,7 +6925,7 @@
           <a:p>
             <a:fld id="{9CF176CD-15D1-4787-BBAA-B7F61FF9E394}" type="datetimeFigureOut">
               <a:rPr lang="en-GB" smtClean="0"/>
-              <a:t>26/03/2025</a:t>
+              <a:t>02/04/2025</a:t>
             </a:fld>
             <a:endParaRPr lang="en-GB"/>
           </a:p>
@@ -6976,7 +6976,7 @@
         </p:nvSpPr>
         <p:spPr>
           <a:xfrm>
-            <a:off x="710407" y="4925407"/>
+            <a:off x="710407" y="4925409"/>
             <a:ext cx="5683250" cy="4029879"/>
           </a:xfrm>
           <a:prstGeom prst="rect">
@@ -7036,7 +7036,7 @@
         </p:nvSpPr>
         <p:spPr>
           <a:xfrm>
-            <a:off x="0" y="9721107"/>
+            <a:off x="1" y="9721109"/>
             <a:ext cx="3078427" cy="513507"/>
           </a:xfrm>
           <a:prstGeom prst="rect">
@@ -7067,7 +7067,7 @@
         </p:nvSpPr>
         <p:spPr>
           <a:xfrm>
-            <a:off x="4023992" y="9721107"/>
+            <a:off x="4023993" y="9721109"/>
             <a:ext cx="3078427" cy="513507"/>
           </a:xfrm>
           <a:prstGeom prst="rect">
@@ -7324,7 +7324,7 @@
           <a:p>
             <a:fld id="{633AF1EE-65BA-4140-B6B9-7F82C437F84A}" type="datetimeFigureOut">
               <a:rPr lang="en-GB" smtClean="0"/>
-              <a:t>26/03/2025</a:t>
+              <a:t>02/04/2025</a:t>
             </a:fld>
             <a:endParaRPr lang="en-GB"/>
           </a:p>
@@ -7494,7 +7494,7 @@
           <a:p>
             <a:fld id="{633AF1EE-65BA-4140-B6B9-7F82C437F84A}" type="datetimeFigureOut">
               <a:rPr lang="en-GB" smtClean="0"/>
-              <a:t>26/03/2025</a:t>
+              <a:t>02/04/2025</a:t>
             </a:fld>
             <a:endParaRPr lang="en-GB"/>
           </a:p>
@@ -7674,7 +7674,7 @@
           <a:p>
             <a:fld id="{633AF1EE-65BA-4140-B6B9-7F82C437F84A}" type="datetimeFigureOut">
               <a:rPr lang="en-GB" smtClean="0"/>
-              <a:t>26/03/2025</a:t>
+              <a:t>02/04/2025</a:t>
             </a:fld>
             <a:endParaRPr lang="en-GB"/>
           </a:p>
@@ -7844,7 +7844,7 @@
           <a:p>
             <a:fld id="{633AF1EE-65BA-4140-B6B9-7F82C437F84A}" type="datetimeFigureOut">
               <a:rPr lang="en-GB" smtClean="0"/>
-              <a:t>26/03/2025</a:t>
+              <a:t>02/04/2025</a:t>
             </a:fld>
             <a:endParaRPr lang="en-GB"/>
           </a:p>
@@ -8090,7 +8090,7 @@
           <a:p>
             <a:fld id="{633AF1EE-65BA-4140-B6B9-7F82C437F84A}" type="datetimeFigureOut">
               <a:rPr lang="en-GB" smtClean="0"/>
-              <a:t>26/03/2025</a:t>
+              <a:t>02/04/2025</a:t>
             </a:fld>
             <a:endParaRPr lang="en-GB"/>
           </a:p>
@@ -8322,7 +8322,7 @@
           <a:p>
             <a:fld id="{633AF1EE-65BA-4140-B6B9-7F82C437F84A}" type="datetimeFigureOut">
               <a:rPr lang="en-GB" smtClean="0"/>
-              <a:t>26/03/2025</a:t>
+              <a:t>02/04/2025</a:t>
             </a:fld>
             <a:endParaRPr lang="en-GB"/>
           </a:p>
@@ -8689,7 +8689,7 @@
           <a:p>
             <a:fld id="{633AF1EE-65BA-4140-B6B9-7F82C437F84A}" type="datetimeFigureOut">
               <a:rPr lang="en-GB" smtClean="0"/>
-              <a:t>26/03/2025</a:t>
+              <a:t>02/04/2025</a:t>
             </a:fld>
             <a:endParaRPr lang="en-GB"/>
           </a:p>
@@ -8807,7 +8807,7 @@
           <a:p>
             <a:fld id="{633AF1EE-65BA-4140-B6B9-7F82C437F84A}" type="datetimeFigureOut">
               <a:rPr lang="en-GB" smtClean="0"/>
-              <a:t>26/03/2025</a:t>
+              <a:t>02/04/2025</a:t>
             </a:fld>
             <a:endParaRPr lang="en-GB"/>
           </a:p>
@@ -8902,7 +8902,7 @@
           <a:p>
             <a:fld id="{633AF1EE-65BA-4140-B6B9-7F82C437F84A}" type="datetimeFigureOut">
               <a:rPr lang="en-GB" smtClean="0"/>
-              <a:t>26/03/2025</a:t>
+              <a:t>02/04/2025</a:t>
             </a:fld>
             <a:endParaRPr lang="en-GB"/>
           </a:p>
@@ -9179,7 +9179,7 @@
           <a:p>
             <a:fld id="{633AF1EE-65BA-4140-B6B9-7F82C437F84A}" type="datetimeFigureOut">
               <a:rPr lang="en-GB" smtClean="0"/>
-              <a:t>26/03/2025</a:t>
+              <a:t>02/04/2025</a:t>
             </a:fld>
             <a:endParaRPr lang="en-GB"/>
           </a:p>
@@ -9432,7 +9432,7 @@
           <a:p>
             <a:fld id="{633AF1EE-65BA-4140-B6B9-7F82C437F84A}" type="datetimeFigureOut">
               <a:rPr lang="en-GB" smtClean="0"/>
-              <a:t>26/03/2025</a:t>
+              <a:t>02/04/2025</a:t>
             </a:fld>
             <a:endParaRPr lang="en-GB"/>
           </a:p>
@@ -9645,7 +9645,7 @@
           <a:p>
             <a:fld id="{633AF1EE-65BA-4140-B6B9-7F82C437F84A}" type="datetimeFigureOut">
               <a:rPr lang="en-GB" smtClean="0"/>
-              <a:t>26/03/2025</a:t>
+              <a:t>02/04/2025</a:t>
             </a:fld>
             <a:endParaRPr lang="en-GB"/>
           </a:p>
